--- a/Material/Introduce/Mobile Robot.pptx
+++ b/Material/Introduce/Mobile Robot.pptx
@@ -22,8 +22,8 @@
     <p:sldId id="266" r:id="rId13"/>
     <p:sldId id="268" r:id="rId14"/>
     <p:sldId id="267" r:id="rId15"/>
-    <p:sldId id="271" r:id="rId16"/>
-    <p:sldId id="274" r:id="rId17"/>
+    <p:sldId id="277" r:id="rId16"/>
+    <p:sldId id="271" r:id="rId17"/>
     <p:sldId id="275" r:id="rId18"/>
   </p:sldIdLst>
   <p:sldSz cx="9144000" cy="6858000" type="screen4x3"/>
@@ -208,7 +208,7 @@
           <a:p>
             <a:fld id="{E2DA1163-0156-4362-BCBD-E694C142A6CE}" type="datetimeFigureOut">
               <a:rPr lang="en-US" smtClean="0"/>
-              <a:t>5/19/2020</a:t>
+              <a:t>5/20/2020</a:t>
             </a:fld>
             <a:endParaRPr lang="en-US"/>
           </a:p>
@@ -881,7 +881,7 @@
           <a:p>
             <a:fld id="{81F1A14D-F881-4A16-9F2D-96CDF86E20DE}" type="slidenum">
               <a:rPr lang="en-US" smtClean="0"/>
-              <a:t>16</a:t>
+              <a:t>15</a:t>
             </a:fld>
             <a:endParaRPr lang="en-US"/>
           </a:p>
@@ -1037,7 +1037,7 @@
           <a:p>
             <a:fld id="{2D9C7357-B014-40E0-9DF7-A083CB8D2278}" type="datetimeFigureOut">
               <a:rPr lang="en-US" smtClean="0"/>
-              <a:t>5/19/2020</a:t>
+              <a:t>5/20/2020</a:t>
             </a:fld>
             <a:endParaRPr lang="en-US"/>
           </a:p>
@@ -1906,7 +1906,7 @@
           <a:p>
             <a:fld id="{2D9C7357-B014-40E0-9DF7-A083CB8D2278}" type="datetimeFigureOut">
               <a:rPr lang="en-US" smtClean="0"/>
-              <a:t>5/19/2020</a:t>
+              <a:t>5/20/2020</a:t>
             </a:fld>
             <a:endParaRPr lang="en-US"/>
           </a:p>
@@ -2081,7 +2081,7 @@
           <a:p>
             <a:fld id="{2D9C7357-B014-40E0-9DF7-A083CB8D2278}" type="datetimeFigureOut">
               <a:rPr lang="en-US" smtClean="0"/>
-              <a:t>5/19/2020</a:t>
+              <a:t>5/20/2020</a:t>
             </a:fld>
             <a:endParaRPr lang="en-US"/>
           </a:p>
@@ -2251,7 +2251,7 @@
           <a:p>
             <a:fld id="{2D9C7357-B014-40E0-9DF7-A083CB8D2278}" type="datetimeFigureOut">
               <a:rPr lang="en-US" smtClean="0"/>
-              <a:t>5/19/2020</a:t>
+              <a:t>5/20/2020</a:t>
             </a:fld>
             <a:endParaRPr lang="en-US"/>
           </a:p>
@@ -2461,7 +2461,7 @@
           <a:p>
             <a:fld id="{2D9C7357-B014-40E0-9DF7-A083CB8D2278}" type="datetimeFigureOut">
               <a:rPr lang="en-US" smtClean="0"/>
-              <a:t>5/19/2020</a:t>
+              <a:t>5/20/2020</a:t>
             </a:fld>
             <a:endParaRPr lang="en-US"/>
           </a:p>
@@ -3275,7 +3275,7 @@
           <a:p>
             <a:fld id="{2D9C7357-B014-40E0-9DF7-A083CB8D2278}" type="datetimeFigureOut">
               <a:rPr lang="en-US" smtClean="0"/>
-              <a:t>5/19/2020</a:t>
+              <a:t>5/20/2020</a:t>
             </a:fld>
             <a:endParaRPr lang="en-US"/>
           </a:p>
@@ -3511,7 +3511,7 @@
           <a:p>
             <a:fld id="{2D9C7357-B014-40E0-9DF7-A083CB8D2278}" type="datetimeFigureOut">
               <a:rPr lang="en-US" smtClean="0"/>
-              <a:t>5/19/2020</a:t>
+              <a:t>5/20/2020</a:t>
             </a:fld>
             <a:endParaRPr lang="en-US"/>
           </a:p>
@@ -3834,7 +3834,7 @@
           <a:p>
             <a:fld id="{2D9C7357-B014-40E0-9DF7-A083CB8D2278}" type="datetimeFigureOut">
               <a:rPr lang="en-US" smtClean="0"/>
-              <a:t>5/19/2020</a:t>
+              <a:t>5/20/2020</a:t>
             </a:fld>
             <a:endParaRPr lang="en-US"/>
           </a:p>
@@ -3924,7 +3924,7 @@
           <a:p>
             <a:fld id="{2D9C7357-B014-40E0-9DF7-A083CB8D2278}" type="datetimeFigureOut">
               <a:rPr lang="en-US" smtClean="0"/>
-              <a:t>5/19/2020</a:t>
+              <a:t>5/20/2020</a:t>
             </a:fld>
             <a:endParaRPr lang="en-US"/>
           </a:p>
@@ -4441,7 +4441,7 @@
           <a:p>
             <a:fld id="{2D9C7357-B014-40E0-9DF7-A083CB8D2278}" type="datetimeFigureOut">
               <a:rPr lang="en-US" smtClean="0"/>
-              <a:t>5/19/2020</a:t>
+              <a:t>5/20/2020</a:t>
             </a:fld>
             <a:endParaRPr lang="en-US"/>
           </a:p>
@@ -4952,7 +4952,7 @@
           <a:p>
             <a:fld id="{2D9C7357-B014-40E0-9DF7-A083CB8D2278}" type="datetimeFigureOut">
               <a:rPr lang="en-US" smtClean="0"/>
-              <a:t>5/19/2020</a:t>
+              <a:t>5/20/2020</a:t>
             </a:fld>
             <a:endParaRPr lang="en-US"/>
           </a:p>
@@ -5197,7 +5197,7 @@
           <a:p>
             <a:fld id="{2D9C7357-B014-40E0-9DF7-A083CB8D2278}" type="datetimeFigureOut">
               <a:rPr lang="en-US" smtClean="0"/>
-              <a:t>5/19/2020</a:t>
+              <a:t>5/20/2020</a:t>
             </a:fld>
             <a:endParaRPr lang="en-US"/>
           </a:p>
@@ -6121,28 +6121,7 @@
                 <a:latin typeface="Times New Roman" pitchFamily="18" charset="0"/>
                 <a:cs typeface="Times New Roman" pitchFamily="18" charset="0"/>
               </a:rPr>
-              <a:t>I. </a:t>
-            </a:r>
-            <a:r>
-              <a:rPr lang="en-US" sz="2000" b="1" dirty="0" smtClean="0">
-                <a:latin typeface="Times New Roman" pitchFamily="18" charset="0"/>
-                <a:cs typeface="Times New Roman" pitchFamily="18" charset="0"/>
-              </a:rPr>
-              <a:t>TỔNG </a:t>
-            </a:r>
-            <a:r>
-              <a:rPr lang="en-US" sz="2000" b="1" dirty="0" smtClean="0">
-                <a:latin typeface="Times New Roman" pitchFamily="18" charset="0"/>
-                <a:cs typeface="Times New Roman" pitchFamily="18" charset="0"/>
-              </a:rPr>
-              <a:t>QUAN VỀ MOBILE </a:t>
-            </a:r>
-            <a:r>
-              <a:rPr lang="en-US" sz="2000" b="1" dirty="0" smtClean="0">
-                <a:latin typeface="Times New Roman" pitchFamily="18" charset="0"/>
-                <a:cs typeface="Times New Roman" pitchFamily="18" charset="0"/>
-              </a:rPr>
-              <a:t>ROBOT</a:t>
+              <a:t>I. TỔNG QUAN VỀ MOBILE ROBOT</a:t>
             </a:r>
           </a:p>
           <a:p>
@@ -6510,15 +6489,7 @@
                   <a:srgbClr val="00B0F0"/>
                 </a:solidFill>
               </a:rPr>
-              <a:t> </a:t>
-            </a:r>
-            <a:r>
-              <a:rPr lang="en-US" b="1" dirty="0" smtClean="0">
-                <a:solidFill>
-                  <a:srgbClr val="00B0F0"/>
-                </a:solidFill>
-              </a:rPr>
-              <a:t>logistic</a:t>
+              <a:t> logistic</a:t>
             </a:r>
             <a:endParaRPr lang="en-US" b="1" dirty="0">
               <a:solidFill>
@@ -6895,11 +6866,7 @@
             </a:r>
             <a:r>
               <a:rPr lang="en-US" sz="2000" dirty="0" smtClean="0"/>
-              <a:t> </a:t>
-            </a:r>
-            <a:r>
-              <a:rPr lang="en-US" sz="2000" dirty="0" smtClean="0"/>
-              <a:t>- </a:t>
+              <a:t> - </a:t>
             </a:r>
             <a:r>
               <a:rPr lang="en-US" sz="2000" dirty="0" err="1" smtClean="0"/>
@@ -7066,15 +7033,7 @@
                   <a:srgbClr val="00B0F0"/>
                 </a:solidFill>
               </a:rPr>
-              <a:t> </a:t>
-            </a:r>
-            <a:r>
-              <a:rPr lang="en-US" b="1" dirty="0" smtClean="0">
-                <a:solidFill>
-                  <a:srgbClr val="00B0F0"/>
-                </a:solidFill>
-              </a:rPr>
-              <a:t>y </a:t>
+              <a:t> y </a:t>
             </a:r>
             <a:r>
               <a:rPr lang="en-US" b="1" dirty="0" err="1" smtClean="0">
@@ -7693,7 +7652,6 @@
               <a:rPr lang="en-US" sz="2000" dirty="0" smtClean="0"/>
               <a:t> </a:t>
             </a:r>
-            <a:endParaRPr lang="en-US" sz="2000" dirty="0" smtClean="0"/>
           </a:p>
           <a:p>
             <a:r>
@@ -8398,18 +8356,18 @@
       </p:grpSpPr>
       <p:sp>
         <p:nvSpPr>
-          <p:cNvPr id="4" name="Title 1"/>
+          <p:cNvPr id="3" name="Subtitle 2"/>
           <p:cNvSpPr>
             <a:spLocks noGrp="1"/>
           </p:cNvSpPr>
           <p:nvPr>
-            <p:ph type="title"/>
+            <p:ph type="subTitle" idx="1"/>
           </p:nvPr>
         </p:nvSpPr>
         <p:spPr>
           <a:xfrm>
-            <a:off x="0" y="228600"/>
-            <a:ext cx="9144000" cy="685800"/>
+            <a:off x="1896318" y="1676400"/>
+            <a:ext cx="6790481" cy="3124200"/>
           </a:xfrm>
         </p:spPr>
         <p:txBody>
@@ -8418,26 +8376,504 @@
           </a:bodyPr>
           <a:lstStyle/>
           <a:p>
-            <a:pPr algn="ctr"/>
-            <a:r>
-              <a:rPr lang="en-US" b="1" dirty="0" smtClean="0">
-                <a:solidFill>
-                  <a:srgbClr val="7030A0"/>
-                </a:solidFill>
-              </a:rPr>
-              <a:t>        KẾ HOẠCH PHÁT TRIỂN ROBOT</a:t>
-            </a:r>
-            <a:endParaRPr lang="en-US" b="1" dirty="0">
+            <a:pPr algn="l">
+              <a:lnSpc>
+                <a:spcPct val="150000"/>
+              </a:lnSpc>
+            </a:pPr>
+            <a:r>
+              <a:rPr lang="vi-VN" sz="2800" u="sng" dirty="0">
+                <a:solidFill>
+                  <a:schemeClr val="tx1"/>
+                </a:solidFill>
+              </a:rPr>
+              <a:t>4 giai đoạn phát triển </a:t>
+            </a:r>
+            <a:r>
+              <a:rPr lang="vi-VN" sz="2800" u="sng" dirty="0" smtClean="0">
+                <a:solidFill>
+                  <a:schemeClr val="tx1"/>
+                </a:solidFill>
+              </a:rPr>
+              <a:t>robot</a:t>
+            </a:r>
+            <a:r>
+              <a:rPr lang="en-US" sz="2800" u="sng" dirty="0" smtClean="0">
+                <a:solidFill>
+                  <a:schemeClr val="tx1"/>
+                </a:solidFill>
+              </a:rPr>
+              <a:t>:</a:t>
+            </a:r>
+          </a:p>
+          <a:p>
+            <a:pPr marL="742950" lvl="1" indent="-285750" algn="l">
+              <a:lnSpc>
+                <a:spcPct val="150000"/>
+              </a:lnSpc>
+              <a:buFont typeface="Arial" panose="020B0604020202020204" pitchFamily="34" charset="0"/>
+              <a:buChar char="•"/>
+            </a:pPr>
+            <a:r>
+              <a:rPr lang="en-US" sz="2000" b="1" dirty="0" smtClean="0"/>
+              <a:t>Phase</a:t>
+            </a:r>
+            <a:r>
+              <a:rPr lang="vi-VN" sz="2000" b="1" dirty="0" smtClean="0">
+                <a:solidFill>
+                  <a:schemeClr val="tx1"/>
+                </a:solidFill>
+              </a:rPr>
+              <a:t> </a:t>
+            </a:r>
+            <a:r>
+              <a:rPr lang="vi-VN" sz="2000" b="1" dirty="0">
+                <a:solidFill>
+                  <a:schemeClr val="tx1"/>
+                </a:solidFill>
+              </a:rPr>
+              <a:t>1: Thiết kế cơ khí và hệ thống điện </a:t>
+            </a:r>
+            <a:r>
+              <a:rPr lang="vi-VN" sz="2000" b="1" dirty="0" smtClean="0">
+                <a:solidFill>
+                  <a:schemeClr val="tx1"/>
+                </a:solidFill>
+              </a:rPr>
+              <a:t>tử</a:t>
+            </a:r>
+            <a:endParaRPr lang="en-US" sz="2000" b="1" dirty="0" smtClean="0">
               <a:solidFill>
-                <a:srgbClr val="7030A0"/>
+                <a:schemeClr val="tx1"/>
               </a:solidFill>
             </a:endParaRPr>
           </a:p>
-        </p:txBody>
-      </p:sp>
-      <p:sp>
-        <p:nvSpPr>
-          <p:cNvPr id="6" name="Content Placeholder 2"/>
+          <a:p>
+            <a:pPr marL="742950" lvl="1" indent="-285750" algn="l">
+              <a:lnSpc>
+                <a:spcPct val="150000"/>
+              </a:lnSpc>
+              <a:buFont typeface="Arial" panose="020B0604020202020204" pitchFamily="34" charset="0"/>
+              <a:buChar char="•"/>
+            </a:pPr>
+            <a:r>
+              <a:rPr lang="en-US" sz="2000" b="1" dirty="0"/>
+              <a:t>Phase</a:t>
+            </a:r>
+            <a:r>
+              <a:rPr lang="vi-VN" sz="2000" b="1" dirty="0"/>
+              <a:t> 2</a:t>
+            </a:r>
+            <a:r>
+              <a:rPr lang="vi-VN" sz="2000" b="1" dirty="0">
+                <a:solidFill>
+                  <a:schemeClr val="tx1"/>
+                </a:solidFill>
+              </a:rPr>
+              <a:t>: Lập trình ứng dụng và tính </a:t>
+            </a:r>
+            <a:r>
+              <a:rPr lang="vi-VN" sz="2000" b="1" dirty="0" smtClean="0">
+                <a:solidFill>
+                  <a:schemeClr val="tx1"/>
+                </a:solidFill>
+              </a:rPr>
+              <a:t>năng</a:t>
+            </a:r>
+            <a:r>
+              <a:rPr lang="en-US" sz="2000" b="1" dirty="0" smtClean="0">
+                <a:solidFill>
+                  <a:schemeClr val="tx1"/>
+                </a:solidFill>
+              </a:rPr>
+              <a:t> </a:t>
+            </a:r>
+            <a:r>
+              <a:rPr lang="en-US" sz="2000" b="1" dirty="0" err="1" smtClean="0">
+                <a:solidFill>
+                  <a:schemeClr val="tx1"/>
+                </a:solidFill>
+              </a:rPr>
+              <a:t>của</a:t>
+            </a:r>
+            <a:r>
+              <a:rPr lang="vi-VN" sz="2000" b="1" dirty="0" smtClean="0">
+                <a:solidFill>
+                  <a:schemeClr val="tx1"/>
+                </a:solidFill>
+              </a:rPr>
+              <a:t> robot</a:t>
+            </a:r>
+            <a:endParaRPr lang="en-US" sz="2000" b="1" dirty="0" smtClean="0">
+              <a:solidFill>
+                <a:schemeClr val="tx1"/>
+              </a:solidFill>
+            </a:endParaRPr>
+          </a:p>
+          <a:p>
+            <a:pPr marL="742950" lvl="1" indent="-285750" algn="l">
+              <a:lnSpc>
+                <a:spcPct val="150000"/>
+              </a:lnSpc>
+              <a:buFont typeface="Arial" panose="020B0604020202020204" pitchFamily="34" charset="0"/>
+              <a:buChar char="•"/>
+            </a:pPr>
+            <a:r>
+              <a:rPr lang="en-US" sz="2000" b="1" dirty="0"/>
+              <a:t>Phase</a:t>
+            </a:r>
+            <a:r>
+              <a:rPr lang="vi-VN" sz="2000" b="1" dirty="0"/>
+              <a:t> 3</a:t>
+            </a:r>
+            <a:r>
+              <a:rPr lang="vi-VN" sz="2000" b="1" dirty="0">
+                <a:solidFill>
+                  <a:schemeClr val="tx1"/>
+                </a:solidFill>
+              </a:rPr>
+              <a:t>: Tự </a:t>
+            </a:r>
+            <a:r>
+              <a:rPr lang="en-US" sz="2000" b="1" dirty="0" err="1" smtClean="0">
+                <a:solidFill>
+                  <a:schemeClr val="tx1"/>
+                </a:solidFill>
+              </a:rPr>
+              <a:t>trị</a:t>
+            </a:r>
+            <a:r>
+              <a:rPr lang="en-US" sz="2000" b="1" dirty="0" smtClean="0">
+                <a:solidFill>
+                  <a:schemeClr val="tx1"/>
+                </a:solidFill>
+              </a:rPr>
+              <a:t> </a:t>
+            </a:r>
+            <a:r>
+              <a:rPr lang="en-US" sz="2000" b="1" dirty="0" err="1" smtClean="0">
+                <a:solidFill>
+                  <a:schemeClr val="tx1"/>
+                </a:solidFill>
+              </a:rPr>
+              <a:t>của</a:t>
+            </a:r>
+            <a:r>
+              <a:rPr lang="vi-VN" sz="2000" b="1" dirty="0" smtClean="0">
+                <a:solidFill>
+                  <a:schemeClr val="tx1"/>
+                </a:solidFill>
+              </a:rPr>
+              <a:t> robot</a:t>
+            </a:r>
+            <a:endParaRPr lang="en-US" sz="2000" b="1" dirty="0" smtClean="0">
+              <a:solidFill>
+                <a:schemeClr val="tx1"/>
+              </a:solidFill>
+            </a:endParaRPr>
+          </a:p>
+          <a:p>
+            <a:pPr marL="742950" lvl="1" indent="-285750" algn="l">
+              <a:lnSpc>
+                <a:spcPct val="150000"/>
+              </a:lnSpc>
+              <a:buFont typeface="Arial" panose="020B0604020202020204" pitchFamily="34" charset="0"/>
+              <a:buChar char="•"/>
+            </a:pPr>
+            <a:r>
+              <a:rPr lang="en-US" sz="2000" b="1" dirty="0"/>
+              <a:t>Phase</a:t>
+            </a:r>
+            <a:r>
+              <a:rPr lang="vi-VN" sz="2000" b="1" dirty="0"/>
+              <a:t> 4</a:t>
+            </a:r>
+            <a:r>
+              <a:rPr lang="vi-VN" sz="2000" b="1" dirty="0">
+                <a:solidFill>
+                  <a:schemeClr val="tx1"/>
+                </a:solidFill>
+              </a:rPr>
+              <a:t>: Ứng dụng trí tuệ nhân tạo vào robot</a:t>
+            </a:r>
+            <a:endParaRPr lang="en-US" sz="2000" b="1" dirty="0">
+              <a:solidFill>
+                <a:schemeClr val="tx1"/>
+              </a:solidFill>
+            </a:endParaRPr>
+          </a:p>
+        </p:txBody>
+      </p:sp>
+      <p:sp>
+        <p:nvSpPr>
+          <p:cNvPr id="5" name="Rectangle 1"/>
+          <p:cNvSpPr>
+            <a:spLocks noChangeArrowheads="1"/>
+          </p:cNvSpPr>
+          <p:nvPr/>
+        </p:nvSpPr>
+        <p:spPr bwMode="auto">
+          <a:xfrm>
+            <a:off x="0" y="0"/>
+            <a:ext cx="9144000" cy="0"/>
+          </a:xfrm>
+          <a:prstGeom prst="rect">
+            <a:avLst/>
+          </a:prstGeom>
+          <a:noFill/>
+          <a:ln>
+            <a:noFill/>
+          </a:ln>
+          <a:effectLst/>
+          <a:extLst>
+            <a:ext uri="{909E8E84-426E-40DD-AFC4-6F175D3DCCD1}">
+              <a14:hiddenFill xmlns:a14="http://schemas.microsoft.com/office/drawing/2010/main">
+                <a:solidFill>
+                  <a:schemeClr val="accent1"/>
+                </a:solidFill>
+              </a14:hiddenFill>
+            </a:ext>
+            <a:ext uri="{91240B29-F687-4F45-9708-019B960494DF}">
+              <a14:hiddenLine xmlns:a14="http://schemas.microsoft.com/office/drawing/2010/main" w="9525">
+                <a:solidFill>
+                  <a:schemeClr val="tx1"/>
+                </a:solidFill>
+                <a:miter lim="800000"/>
+                <a:headEnd/>
+                <a:tailEnd/>
+              </a14:hiddenLine>
+            </a:ext>
+            <a:ext uri="{AF507438-7753-43E0-B8FC-AC1667EBCBE1}">
+              <a14:hiddenEffects xmlns:a14="http://schemas.microsoft.com/office/drawing/2010/main">
+                <a:effectLst>
+                  <a:outerShdw dist="35921" dir="2700000" algn="ctr" rotWithShape="0">
+                    <a:schemeClr val="bg2"/>
+                  </a:outerShdw>
+                </a:effectLst>
+              </a14:hiddenEffects>
+            </a:ext>
+          </a:extLst>
+        </p:spPr>
+        <p:txBody>
+          <a:bodyPr vert="horz" wrap="none" lIns="91440" tIns="45720" rIns="91440" bIns="45720" numCol="1" anchor="ctr" anchorCtr="0" compatLnSpc="1">
+            <a:prstTxWarp prst="textNoShape">
+              <a:avLst/>
+            </a:prstTxWarp>
+            <a:spAutoFit/>
+          </a:bodyPr>
+          <a:lstStyle/>
+          <a:p>
+            <a:pPr marL="0" marR="0" lvl="0" indent="0" algn="l" defTabSz="914400" rtl="0" eaLnBrk="1" fontAlgn="base" latinLnBrk="0" hangingPunct="1">
+              <a:lnSpc>
+                <a:spcPct val="100000"/>
+              </a:lnSpc>
+              <a:spcBef>
+                <a:spcPct val="0"/>
+              </a:spcBef>
+              <a:spcAft>
+                <a:spcPct val="0"/>
+              </a:spcAft>
+              <a:buClrTx/>
+              <a:buSzTx/>
+              <a:buFontTx/>
+              <a:buNone/>
+              <a:tabLst/>
+            </a:pPr>
+            <a:endParaRPr kumimoji="0" lang="en-US" altLang="en-US" sz="1800" b="0" i="0" u="none" strike="noStrike" cap="none" normalizeH="0" baseline="0" smtClean="0">
+              <a:ln>
+                <a:noFill/>
+              </a:ln>
+              <a:solidFill>
+                <a:schemeClr val="tx1"/>
+              </a:solidFill>
+              <a:effectLst/>
+              <a:latin typeface="Arial" pitchFamily="34" charset="0"/>
+              <a:cs typeface="Arial" pitchFamily="34" charset="0"/>
+            </a:endParaRPr>
+          </a:p>
+        </p:txBody>
+      </p:sp>
+      <p:sp>
+        <p:nvSpPr>
+          <p:cNvPr id="7" name="Rectangle 2"/>
+          <p:cNvSpPr>
+            <a:spLocks noChangeArrowheads="1"/>
+          </p:cNvSpPr>
+          <p:nvPr/>
+        </p:nvSpPr>
+        <p:spPr bwMode="auto">
+          <a:xfrm>
+            <a:off x="152400" y="152400"/>
+            <a:ext cx="9144000" cy="0"/>
+          </a:xfrm>
+          <a:prstGeom prst="rect">
+            <a:avLst/>
+          </a:prstGeom>
+          <a:noFill/>
+          <a:ln>
+            <a:noFill/>
+          </a:ln>
+          <a:effectLst/>
+          <a:extLst>
+            <a:ext uri="{909E8E84-426E-40DD-AFC4-6F175D3DCCD1}">
+              <a14:hiddenFill xmlns:a14="http://schemas.microsoft.com/office/drawing/2010/main">
+                <a:solidFill>
+                  <a:schemeClr val="accent1"/>
+                </a:solidFill>
+              </a14:hiddenFill>
+            </a:ext>
+            <a:ext uri="{91240B29-F687-4F45-9708-019B960494DF}">
+              <a14:hiddenLine xmlns:a14="http://schemas.microsoft.com/office/drawing/2010/main" w="9525">
+                <a:solidFill>
+                  <a:schemeClr val="tx1"/>
+                </a:solidFill>
+                <a:miter lim="800000"/>
+                <a:headEnd/>
+                <a:tailEnd/>
+              </a14:hiddenLine>
+            </a:ext>
+            <a:ext uri="{AF507438-7753-43E0-B8FC-AC1667EBCBE1}">
+              <a14:hiddenEffects xmlns:a14="http://schemas.microsoft.com/office/drawing/2010/main">
+                <a:effectLst>
+                  <a:outerShdw dist="35921" dir="2700000" algn="ctr" rotWithShape="0">
+                    <a:schemeClr val="bg2"/>
+                  </a:outerShdw>
+                </a:effectLst>
+              </a14:hiddenEffects>
+            </a:ext>
+          </a:extLst>
+        </p:spPr>
+        <p:txBody>
+          <a:bodyPr vert="horz" wrap="none" lIns="91440" tIns="45720" rIns="91440" bIns="45720" numCol="1" anchor="ctr" anchorCtr="0" compatLnSpc="1">
+            <a:prstTxWarp prst="textNoShape">
+              <a:avLst/>
+            </a:prstTxWarp>
+            <a:spAutoFit/>
+          </a:bodyPr>
+          <a:lstStyle/>
+          <a:p>
+            <a:pPr marL="0" marR="0" lvl="0" indent="0" algn="l" defTabSz="914400" rtl="0" eaLnBrk="1" fontAlgn="base" latinLnBrk="0" hangingPunct="1">
+              <a:lnSpc>
+                <a:spcPct val="100000"/>
+              </a:lnSpc>
+              <a:spcBef>
+                <a:spcPct val="0"/>
+              </a:spcBef>
+              <a:spcAft>
+                <a:spcPct val="0"/>
+              </a:spcAft>
+              <a:buClrTx/>
+              <a:buSzTx/>
+              <a:buFontTx/>
+              <a:buNone/>
+              <a:tabLst/>
+            </a:pPr>
+            <a:endParaRPr kumimoji="0" lang="en-US" altLang="en-US" sz="1800" b="0" i="0" u="none" strike="noStrike" cap="none" normalizeH="0" baseline="0" smtClean="0">
+              <a:ln>
+                <a:noFill/>
+              </a:ln>
+              <a:solidFill>
+                <a:schemeClr val="tx1"/>
+              </a:solidFill>
+              <a:effectLst/>
+              <a:latin typeface="Arial" pitchFamily="34" charset="0"/>
+              <a:cs typeface="Arial" pitchFamily="34" charset="0"/>
+            </a:endParaRPr>
+          </a:p>
+        </p:txBody>
+      </p:sp>
+      <p:sp>
+        <p:nvSpPr>
+          <p:cNvPr id="9" name="Rectangle 3"/>
+          <p:cNvSpPr>
+            <a:spLocks noChangeArrowheads="1"/>
+          </p:cNvSpPr>
+          <p:nvPr/>
+        </p:nvSpPr>
+        <p:spPr bwMode="auto">
+          <a:xfrm>
+            <a:off x="304800" y="304800"/>
+            <a:ext cx="9144000" cy="0"/>
+          </a:xfrm>
+          <a:prstGeom prst="rect">
+            <a:avLst/>
+          </a:prstGeom>
+          <a:noFill/>
+          <a:ln>
+            <a:noFill/>
+          </a:ln>
+          <a:effectLst/>
+          <a:extLst>
+            <a:ext uri="{909E8E84-426E-40DD-AFC4-6F175D3DCCD1}">
+              <a14:hiddenFill xmlns:a14="http://schemas.microsoft.com/office/drawing/2010/main">
+                <a:solidFill>
+                  <a:schemeClr val="accent1"/>
+                </a:solidFill>
+              </a14:hiddenFill>
+            </a:ext>
+            <a:ext uri="{91240B29-F687-4F45-9708-019B960494DF}">
+              <a14:hiddenLine xmlns:a14="http://schemas.microsoft.com/office/drawing/2010/main" w="9525">
+                <a:solidFill>
+                  <a:schemeClr val="tx1"/>
+                </a:solidFill>
+                <a:miter lim="800000"/>
+                <a:headEnd/>
+                <a:tailEnd/>
+              </a14:hiddenLine>
+            </a:ext>
+            <a:ext uri="{AF507438-7753-43E0-B8FC-AC1667EBCBE1}">
+              <a14:hiddenEffects xmlns:a14="http://schemas.microsoft.com/office/drawing/2010/main">
+                <a:effectLst>
+                  <a:outerShdw dist="35921" dir="2700000" algn="ctr" rotWithShape="0">
+                    <a:schemeClr val="bg2"/>
+                  </a:outerShdw>
+                </a:effectLst>
+              </a14:hiddenEffects>
+            </a:ext>
+          </a:extLst>
+        </p:spPr>
+        <p:txBody>
+          <a:bodyPr vert="horz" wrap="none" lIns="91440" tIns="45720" rIns="91440" bIns="45720" numCol="1" anchor="ctr" anchorCtr="0" compatLnSpc="1">
+            <a:prstTxWarp prst="textNoShape">
+              <a:avLst/>
+            </a:prstTxWarp>
+            <a:spAutoFit/>
+          </a:bodyPr>
+          <a:lstStyle/>
+          <a:p>
+            <a:pPr marL="0" marR="0" lvl="0" indent="0" algn="l" defTabSz="914400" rtl="0" eaLnBrk="1" fontAlgn="base" latinLnBrk="0" hangingPunct="1">
+              <a:lnSpc>
+                <a:spcPct val="100000"/>
+              </a:lnSpc>
+              <a:spcBef>
+                <a:spcPct val="0"/>
+              </a:spcBef>
+              <a:spcAft>
+                <a:spcPct val="0"/>
+              </a:spcAft>
+              <a:buClrTx/>
+              <a:buSzTx/>
+              <a:buFontTx/>
+              <a:buNone/>
+              <a:tabLst/>
+            </a:pPr>
+            <a:endParaRPr kumimoji="0" lang="en-US" altLang="en-US" sz="1800" b="0" i="0" u="none" strike="noStrike" cap="none" normalizeH="0" baseline="0" smtClean="0">
+              <a:ln>
+                <a:noFill/>
+              </a:ln>
+              <a:solidFill>
+                <a:schemeClr val="tx1"/>
+              </a:solidFill>
+              <a:effectLst/>
+              <a:latin typeface="Arial" pitchFamily="34" charset="0"/>
+              <a:cs typeface="Arial" pitchFamily="34" charset="0"/>
+            </a:endParaRPr>
+          </a:p>
+        </p:txBody>
+      </p:sp>
+      <p:sp>
+        <p:nvSpPr>
+          <p:cNvPr id="6" name="Title 1"/>
           <p:cNvSpPr txBox="1">
             <a:spLocks/>
           </p:cNvSpPr>
@@ -8445,252 +8881,84 @@
         </p:nvSpPr>
         <p:spPr>
           <a:xfrm>
-            <a:off x="980536" y="6013161"/>
-            <a:ext cx="7162800" cy="508857"/>
+            <a:off x="0" y="156713"/>
+            <a:ext cx="9144000" cy="834390"/>
           </a:xfrm>
           <a:prstGeom prst="rect">
             <a:avLst/>
           </a:prstGeom>
-        </p:spPr>
-        <p:txBody>
-          <a:bodyPr vert="horz" lIns="91440" tIns="45720" rIns="91440" bIns="45720" rtlCol="0">
+          <a:noFill/>
+          <a:ln>
+            <a:noFill/>
+          </a:ln>
+        </p:spPr>
+        <p:txBody>
+          <a:bodyPr vert="horz" lIns="91440" tIns="45720" rIns="91440" bIns="45720" rtlCol="0" anchor="ctr">
             <a:normAutofit/>
           </a:bodyPr>
           <a:lstStyle>
-            <a:lvl1pPr marL="342900" indent="-342900" algn="l" defTabSz="914400" rtl="0" eaLnBrk="1" latinLnBrk="0" hangingPunct="1">
-              <a:spcBef>
-                <a:spcPct val="20000"/>
-              </a:spcBef>
-              <a:buFont typeface="Arial" panose="020B0604020202020204" pitchFamily="34" charset="0"/>
-              <a:buChar char="•"/>
-              <a:defRPr sz="3200" kern="1200">
+            <a:lvl1pPr algn="ctr" defTabSz="914400" rtl="0" eaLnBrk="1" latinLnBrk="0" hangingPunct="1">
+              <a:spcBef>
+                <a:spcPct val="0"/>
+              </a:spcBef>
+              <a:buNone/>
+              <a:defRPr sz="4400" kern="1200">
                 <a:solidFill>
                   <a:schemeClr val="tx1"/>
                 </a:solidFill>
-                <a:latin typeface="+mn-lt"/>
-                <a:ea typeface="+mn-ea"/>
-                <a:cs typeface="+mn-cs"/>
+                <a:latin typeface="+mj-lt"/>
+                <a:ea typeface="+mj-ea"/>
+                <a:cs typeface="+mj-cs"/>
               </a:defRPr>
             </a:lvl1pPr>
-            <a:lvl2pPr marL="742950" indent="-285750" algn="l" defTabSz="914400" rtl="0" eaLnBrk="1" latinLnBrk="0" hangingPunct="1">
-              <a:spcBef>
-                <a:spcPct val="20000"/>
-              </a:spcBef>
-              <a:buFont typeface="Arial" panose="020B0604020202020204" pitchFamily="34" charset="0"/>
-              <a:buChar char="–"/>
-              <a:defRPr sz="2800" kern="1200">
-                <a:solidFill>
-                  <a:schemeClr val="tx1"/>
-                </a:solidFill>
-                <a:latin typeface="+mn-lt"/>
-                <a:ea typeface="+mn-ea"/>
-                <a:cs typeface="+mn-cs"/>
-              </a:defRPr>
-            </a:lvl2pPr>
-            <a:lvl3pPr marL="1143000" indent="-228600" algn="l" defTabSz="914400" rtl="0" eaLnBrk="1" latinLnBrk="0" hangingPunct="1">
-              <a:spcBef>
-                <a:spcPct val="20000"/>
-              </a:spcBef>
-              <a:buFont typeface="Arial" panose="020B0604020202020204" pitchFamily="34" charset="0"/>
-              <a:buChar char="•"/>
-              <a:defRPr sz="2400" kern="1200">
-                <a:solidFill>
-                  <a:schemeClr val="tx1"/>
-                </a:solidFill>
-                <a:latin typeface="+mn-lt"/>
-                <a:ea typeface="+mn-ea"/>
-                <a:cs typeface="+mn-cs"/>
-              </a:defRPr>
-            </a:lvl3pPr>
-            <a:lvl4pPr marL="1600200" indent="-228600" algn="l" defTabSz="914400" rtl="0" eaLnBrk="1" latinLnBrk="0" hangingPunct="1">
-              <a:spcBef>
-                <a:spcPct val="20000"/>
-              </a:spcBef>
-              <a:buFont typeface="Arial" panose="020B0604020202020204" pitchFamily="34" charset="0"/>
-              <a:buChar char="–"/>
-              <a:defRPr sz="2000" kern="1200">
-                <a:solidFill>
-                  <a:schemeClr val="tx1"/>
-                </a:solidFill>
-                <a:latin typeface="+mn-lt"/>
-                <a:ea typeface="+mn-ea"/>
-                <a:cs typeface="+mn-cs"/>
-              </a:defRPr>
-            </a:lvl4pPr>
-            <a:lvl5pPr marL="2057400" indent="-228600" algn="l" defTabSz="914400" rtl="0" eaLnBrk="1" latinLnBrk="0" hangingPunct="1">
-              <a:spcBef>
-                <a:spcPct val="20000"/>
-              </a:spcBef>
-              <a:buFont typeface="Arial" panose="020B0604020202020204" pitchFamily="34" charset="0"/>
-              <a:buChar char="»"/>
-              <a:defRPr sz="2000" kern="1200">
-                <a:solidFill>
-                  <a:schemeClr val="tx1"/>
-                </a:solidFill>
-                <a:latin typeface="+mn-lt"/>
-                <a:ea typeface="+mn-ea"/>
-                <a:cs typeface="+mn-cs"/>
-              </a:defRPr>
-            </a:lvl5pPr>
-            <a:lvl6pPr marL="2514600" indent="-228600" algn="l" defTabSz="914400" rtl="0" eaLnBrk="1" latinLnBrk="0" hangingPunct="1">
-              <a:spcBef>
-                <a:spcPct val="20000"/>
-              </a:spcBef>
-              <a:buFont typeface="Arial" panose="020B0604020202020204" pitchFamily="34" charset="0"/>
-              <a:buChar char="•"/>
-              <a:defRPr sz="2000" kern="1200">
-                <a:solidFill>
-                  <a:schemeClr val="tx1"/>
-                </a:solidFill>
-                <a:latin typeface="+mn-lt"/>
-                <a:ea typeface="+mn-ea"/>
-                <a:cs typeface="+mn-cs"/>
-              </a:defRPr>
-            </a:lvl6pPr>
-            <a:lvl7pPr marL="2971800" indent="-228600" algn="l" defTabSz="914400" rtl="0" eaLnBrk="1" latinLnBrk="0" hangingPunct="1">
-              <a:spcBef>
-                <a:spcPct val="20000"/>
-              </a:spcBef>
-              <a:buFont typeface="Arial" panose="020B0604020202020204" pitchFamily="34" charset="0"/>
-              <a:buChar char="•"/>
-              <a:defRPr sz="2000" kern="1200">
-                <a:solidFill>
-                  <a:schemeClr val="tx1"/>
-                </a:solidFill>
-                <a:latin typeface="+mn-lt"/>
-                <a:ea typeface="+mn-ea"/>
-                <a:cs typeface="+mn-cs"/>
-              </a:defRPr>
-            </a:lvl7pPr>
-            <a:lvl8pPr marL="3429000" indent="-228600" algn="l" defTabSz="914400" rtl="0" eaLnBrk="1" latinLnBrk="0" hangingPunct="1">
-              <a:spcBef>
-                <a:spcPct val="20000"/>
-              </a:spcBef>
-              <a:buFont typeface="Arial" panose="020B0604020202020204" pitchFamily="34" charset="0"/>
-              <a:buChar char="•"/>
-              <a:defRPr sz="2000" kern="1200">
-                <a:solidFill>
-                  <a:schemeClr val="tx1"/>
-                </a:solidFill>
-                <a:latin typeface="+mn-lt"/>
-                <a:ea typeface="+mn-ea"/>
-                <a:cs typeface="+mn-cs"/>
-              </a:defRPr>
-            </a:lvl8pPr>
-            <a:lvl9pPr marL="3886200" indent="-228600" algn="l" defTabSz="914400" rtl="0" eaLnBrk="1" latinLnBrk="0" hangingPunct="1">
-              <a:spcBef>
-                <a:spcPct val="20000"/>
-              </a:spcBef>
-              <a:buFont typeface="Arial" panose="020B0604020202020204" pitchFamily="34" charset="0"/>
-              <a:buChar char="•"/>
-              <a:defRPr sz="2000" kern="1200">
-                <a:solidFill>
-                  <a:schemeClr val="tx1"/>
-                </a:solidFill>
-                <a:latin typeface="+mn-lt"/>
-                <a:ea typeface="+mn-ea"/>
-                <a:cs typeface="+mn-cs"/>
-              </a:defRPr>
-            </a:lvl9pPr>
           </a:lstStyle>
           <a:p>
-            <a:pPr marL="0" indent="0" algn="ctr">
-              <a:buNone/>
-            </a:pPr>
-            <a:r>
-              <a:rPr lang="en-US" sz="2000" dirty="0" err="1" smtClean="0"/>
-              <a:t>Sơ</a:t>
-            </a:r>
-            <a:r>
-              <a:rPr lang="en-US" sz="2000" dirty="0" smtClean="0"/>
-              <a:t> </a:t>
-            </a:r>
-            <a:r>
-              <a:rPr lang="en-US" sz="2000" dirty="0" err="1" smtClean="0"/>
-              <a:t>đồ</a:t>
-            </a:r>
-            <a:r>
-              <a:rPr lang="en-US" sz="2000" dirty="0" smtClean="0"/>
-              <a:t> </a:t>
-            </a:r>
-            <a:r>
-              <a:rPr lang="en-US" sz="2000" dirty="0" err="1" smtClean="0"/>
-              <a:t>cấu</a:t>
-            </a:r>
-            <a:r>
-              <a:rPr lang="en-US" sz="2000" dirty="0" smtClean="0"/>
-              <a:t> </a:t>
-            </a:r>
-            <a:r>
-              <a:rPr lang="en-US" sz="2000" dirty="0" err="1" smtClean="0"/>
-              <a:t>trúc</a:t>
-            </a:r>
-            <a:r>
-              <a:rPr lang="en-US" sz="2000" dirty="0" smtClean="0"/>
-              <a:t> </a:t>
-            </a:r>
-            <a:r>
-              <a:rPr lang="en-US" sz="2000" dirty="0" err="1" smtClean="0"/>
-              <a:t>hệ</a:t>
-            </a:r>
-            <a:r>
-              <a:rPr lang="en-US" sz="2000" dirty="0" smtClean="0"/>
-              <a:t> </a:t>
-            </a:r>
-            <a:r>
-              <a:rPr lang="en-US" sz="2000" dirty="0" err="1" smtClean="0"/>
-              <a:t>thống</a:t>
-            </a:r>
-            <a:r>
-              <a:rPr lang="en-US" sz="2000" dirty="0" smtClean="0"/>
-              <a:t> module </a:t>
-            </a:r>
-            <a:r>
-              <a:rPr lang="en-US" sz="2000" dirty="0" err="1" smtClean="0"/>
-              <a:t>trong</a:t>
-            </a:r>
-            <a:r>
-              <a:rPr lang="en-US" sz="2000" dirty="0" smtClean="0"/>
-              <a:t> robot</a:t>
-            </a:r>
-            <a:endParaRPr lang="en-US" sz="2000" dirty="0"/>
-          </a:p>
-        </p:txBody>
-      </p:sp>
-      <p:pic>
-        <p:nvPicPr>
-          <p:cNvPr id="3" name="Picture 2"/>
-          <p:cNvPicPr>
-            <a:picLocks noChangeAspect="1"/>
-          </p:cNvPicPr>
-          <p:nvPr/>
-        </p:nvPicPr>
-        <p:blipFill>
-          <a:blip r:embed="rId2">
-            <a:extLst>
-              <a:ext uri="{28A0092B-C50C-407E-A947-70E740481C1C}">
-                <a14:useLocalDpi xmlns:a14="http://schemas.microsoft.com/office/drawing/2010/main" val="0"/>
-              </a:ext>
-            </a:extLst>
-          </a:blip>
-          <a:stretch>
-            <a:fillRect/>
-          </a:stretch>
-        </p:blipFill>
-        <p:spPr>
-          <a:xfrm>
-            <a:off x="980536" y="1066800"/>
-            <a:ext cx="7162800" cy="4870161"/>
-          </a:xfrm>
-          <a:prstGeom prst="rect">
-            <a:avLst/>
-          </a:prstGeom>
-        </p:spPr>
-      </p:pic>
+            <a:r>
+              <a:rPr lang="en-US" sz="3000" b="1" dirty="0">
+                <a:solidFill>
+                  <a:srgbClr val="7030A0"/>
+                </a:solidFill>
+              </a:rPr>
+              <a:t> </a:t>
+            </a:r>
+            <a:r>
+              <a:rPr lang="en-US" sz="3000" b="1" dirty="0" smtClean="0">
+                <a:solidFill>
+                  <a:srgbClr val="7030A0"/>
+                </a:solidFill>
+              </a:rPr>
+              <a:t>         </a:t>
+            </a:r>
+            <a:r>
+              <a:rPr lang="en-US" sz="3000" b="1" dirty="0" smtClean="0">
+                <a:solidFill>
+                  <a:srgbClr val="7030A0"/>
+                </a:solidFill>
+              </a:rPr>
+              <a:t>KẾ </a:t>
+            </a:r>
+            <a:r>
+              <a:rPr lang="en-US" sz="3000" b="1" dirty="0">
+                <a:solidFill>
+                  <a:srgbClr val="7030A0"/>
+                </a:solidFill>
+              </a:rPr>
+              <a:t>HOẠCH PHÁT TRIỂN ROBOT</a:t>
+            </a:r>
+            <a:endParaRPr lang="en-US" sz="3000" b="1" dirty="0">
+              <a:solidFill>
+                <a:srgbClr val="7030A0"/>
+              </a:solidFill>
+              <a:latin typeface="Times New Roman" pitchFamily="18" charset="0"/>
+              <a:cs typeface="Times New Roman" pitchFamily="18" charset="0"/>
+            </a:endParaRPr>
+          </a:p>
+        </p:txBody>
+      </p:sp>
     </p:spTree>
     <p:extLst>
       <p:ext uri="{BB962C8B-B14F-4D97-AF65-F5344CB8AC3E}">
-        <p14:creationId xmlns:p14="http://schemas.microsoft.com/office/powerpoint/2010/main" val="1881780276"/>
+        <p14:creationId xmlns:p14="http://schemas.microsoft.com/office/powerpoint/2010/main" val="3598304344"/>
       </p:ext>
     </p:extLst>
   </p:cSld>
@@ -8726,18 +8994,18 @@
       </p:grpSpPr>
       <p:sp>
         <p:nvSpPr>
-          <p:cNvPr id="3" name="Subtitle 2"/>
+          <p:cNvPr id="4" name="Title 1"/>
           <p:cNvSpPr>
             <a:spLocks noGrp="1"/>
           </p:cNvSpPr>
           <p:nvPr>
-            <p:ph type="subTitle" idx="1"/>
+            <p:ph type="title"/>
           </p:nvPr>
         </p:nvSpPr>
         <p:spPr>
           <a:xfrm>
-            <a:off x="1896318" y="1676400"/>
-            <a:ext cx="6790481" cy="3124200"/>
+            <a:off x="0" y="228600"/>
+            <a:ext cx="9144000" cy="685800"/>
           </a:xfrm>
         </p:spPr>
         <p:txBody>
@@ -8746,504 +9014,34 @@
           </a:bodyPr>
           <a:lstStyle/>
           <a:p>
-            <a:pPr algn="l">
-              <a:lnSpc>
-                <a:spcPct val="150000"/>
-              </a:lnSpc>
-            </a:pPr>
-            <a:r>
-              <a:rPr lang="vi-VN" sz="2800" u="sng" dirty="0">
-                <a:solidFill>
-                  <a:schemeClr val="tx1"/>
-                </a:solidFill>
-              </a:rPr>
-              <a:t>4 giai đoạn phát triển </a:t>
-            </a:r>
-            <a:r>
-              <a:rPr lang="vi-VN" sz="2800" u="sng" dirty="0" smtClean="0">
-                <a:solidFill>
-                  <a:schemeClr val="tx1"/>
-                </a:solidFill>
-              </a:rPr>
-              <a:t>robot</a:t>
-            </a:r>
-            <a:r>
-              <a:rPr lang="en-US" sz="2800" u="sng" dirty="0" smtClean="0">
-                <a:solidFill>
-                  <a:schemeClr val="tx1"/>
-                </a:solidFill>
-              </a:rPr>
-              <a:t>:</a:t>
-            </a:r>
-          </a:p>
-          <a:p>
-            <a:pPr marL="742950" lvl="1" indent="-285750" algn="l">
-              <a:lnSpc>
-                <a:spcPct val="150000"/>
-              </a:lnSpc>
-              <a:buFont typeface="Arial" panose="020B0604020202020204" pitchFamily="34" charset="0"/>
-              <a:buChar char="•"/>
-            </a:pPr>
-            <a:r>
-              <a:rPr lang="en-US" sz="2000" b="1" dirty="0" smtClean="0"/>
-              <a:t>Phase</a:t>
-            </a:r>
-            <a:r>
-              <a:rPr lang="vi-VN" sz="2000" b="1" dirty="0" smtClean="0">
-                <a:solidFill>
-                  <a:schemeClr val="tx1"/>
-                </a:solidFill>
-              </a:rPr>
-              <a:t> </a:t>
-            </a:r>
-            <a:r>
-              <a:rPr lang="vi-VN" sz="2000" b="1" dirty="0">
-                <a:solidFill>
-                  <a:schemeClr val="tx1"/>
-                </a:solidFill>
-              </a:rPr>
-              <a:t>1: Thiết kế cơ khí và hệ thống điện </a:t>
-            </a:r>
-            <a:r>
-              <a:rPr lang="vi-VN" sz="2000" b="1" dirty="0" smtClean="0">
-                <a:solidFill>
-                  <a:schemeClr val="tx1"/>
-                </a:solidFill>
-              </a:rPr>
-              <a:t>tử</a:t>
-            </a:r>
-            <a:endParaRPr lang="en-US" sz="2000" b="1" dirty="0" smtClean="0">
+            <a:pPr algn="ctr"/>
+            <a:r>
+              <a:rPr lang="en-US" b="1" dirty="0" smtClean="0">
+                <a:solidFill>
+                  <a:srgbClr val="7030A0"/>
+                </a:solidFill>
+              </a:rPr>
+              <a:t>          KẾ </a:t>
+            </a:r>
+            <a:r>
+              <a:rPr lang="en-US" b="1" dirty="0" smtClean="0">
+                <a:solidFill>
+                  <a:srgbClr val="7030A0"/>
+                </a:solidFill>
+              </a:rPr>
+              <a:t>HOẠCH PHÁT TRIỂN ROBOT</a:t>
+            </a:r>
+            <a:endParaRPr lang="en-US" b="1" dirty="0">
               <a:solidFill>
-                <a:schemeClr val="tx1"/>
+                <a:srgbClr val="7030A0"/>
               </a:solidFill>
             </a:endParaRPr>
           </a:p>
-          <a:p>
-            <a:pPr marL="742950" lvl="1" indent="-285750" algn="l">
-              <a:lnSpc>
-                <a:spcPct val="150000"/>
-              </a:lnSpc>
-              <a:buFont typeface="Arial" panose="020B0604020202020204" pitchFamily="34" charset="0"/>
-              <a:buChar char="•"/>
-            </a:pPr>
-            <a:r>
-              <a:rPr lang="en-US" sz="2000" b="1" dirty="0"/>
-              <a:t>Phase</a:t>
-            </a:r>
-            <a:r>
-              <a:rPr lang="vi-VN" sz="2000" b="1" dirty="0"/>
-              <a:t> 2</a:t>
-            </a:r>
-            <a:r>
-              <a:rPr lang="vi-VN" sz="2000" b="1" dirty="0">
-                <a:solidFill>
-                  <a:schemeClr val="tx1"/>
-                </a:solidFill>
-              </a:rPr>
-              <a:t>: Lập trình ứng dụng và tính </a:t>
-            </a:r>
-            <a:r>
-              <a:rPr lang="vi-VN" sz="2000" b="1" dirty="0" smtClean="0">
-                <a:solidFill>
-                  <a:schemeClr val="tx1"/>
-                </a:solidFill>
-              </a:rPr>
-              <a:t>năng</a:t>
-            </a:r>
-            <a:r>
-              <a:rPr lang="en-US" sz="2000" b="1" dirty="0" smtClean="0">
-                <a:solidFill>
-                  <a:schemeClr val="tx1"/>
-                </a:solidFill>
-              </a:rPr>
-              <a:t> </a:t>
-            </a:r>
-            <a:r>
-              <a:rPr lang="en-US" sz="2000" b="1" dirty="0" err="1" smtClean="0">
-                <a:solidFill>
-                  <a:schemeClr val="tx1"/>
-                </a:solidFill>
-              </a:rPr>
-              <a:t>của</a:t>
-            </a:r>
-            <a:r>
-              <a:rPr lang="vi-VN" sz="2000" b="1" dirty="0" smtClean="0">
-                <a:solidFill>
-                  <a:schemeClr val="tx1"/>
-                </a:solidFill>
-              </a:rPr>
-              <a:t> robot</a:t>
-            </a:r>
-            <a:endParaRPr lang="en-US" sz="2000" b="1" dirty="0" smtClean="0">
-              <a:solidFill>
-                <a:schemeClr val="tx1"/>
-              </a:solidFill>
-            </a:endParaRPr>
-          </a:p>
-          <a:p>
-            <a:pPr marL="742950" lvl="1" indent="-285750" algn="l">
-              <a:lnSpc>
-                <a:spcPct val="150000"/>
-              </a:lnSpc>
-              <a:buFont typeface="Arial" panose="020B0604020202020204" pitchFamily="34" charset="0"/>
-              <a:buChar char="•"/>
-            </a:pPr>
-            <a:r>
-              <a:rPr lang="en-US" sz="2000" b="1" dirty="0"/>
-              <a:t>Phase</a:t>
-            </a:r>
-            <a:r>
-              <a:rPr lang="vi-VN" sz="2000" b="1" dirty="0"/>
-              <a:t> 3</a:t>
-            </a:r>
-            <a:r>
-              <a:rPr lang="vi-VN" sz="2000" b="1" dirty="0">
-                <a:solidFill>
-                  <a:schemeClr val="tx1"/>
-                </a:solidFill>
-              </a:rPr>
-              <a:t>: Tự </a:t>
-            </a:r>
-            <a:r>
-              <a:rPr lang="en-US" sz="2000" b="1" dirty="0" err="1" smtClean="0">
-                <a:solidFill>
-                  <a:schemeClr val="tx1"/>
-                </a:solidFill>
-              </a:rPr>
-              <a:t>trị</a:t>
-            </a:r>
-            <a:r>
-              <a:rPr lang="en-US" sz="2000" b="1" dirty="0" smtClean="0">
-                <a:solidFill>
-                  <a:schemeClr val="tx1"/>
-                </a:solidFill>
-              </a:rPr>
-              <a:t> </a:t>
-            </a:r>
-            <a:r>
-              <a:rPr lang="en-US" sz="2000" b="1" dirty="0" err="1" smtClean="0">
-                <a:solidFill>
-                  <a:schemeClr val="tx1"/>
-                </a:solidFill>
-              </a:rPr>
-              <a:t>của</a:t>
-            </a:r>
-            <a:r>
-              <a:rPr lang="vi-VN" sz="2000" b="1" dirty="0" smtClean="0">
-                <a:solidFill>
-                  <a:schemeClr val="tx1"/>
-                </a:solidFill>
-              </a:rPr>
-              <a:t> robot</a:t>
-            </a:r>
-            <a:endParaRPr lang="en-US" sz="2000" b="1" dirty="0" smtClean="0">
-              <a:solidFill>
-                <a:schemeClr val="tx1"/>
-              </a:solidFill>
-            </a:endParaRPr>
-          </a:p>
-          <a:p>
-            <a:pPr marL="742950" lvl="1" indent="-285750" algn="l">
-              <a:lnSpc>
-                <a:spcPct val="150000"/>
-              </a:lnSpc>
-              <a:buFont typeface="Arial" panose="020B0604020202020204" pitchFamily="34" charset="0"/>
-              <a:buChar char="•"/>
-            </a:pPr>
-            <a:r>
-              <a:rPr lang="en-US" sz="2000" b="1" dirty="0"/>
-              <a:t>Phase</a:t>
-            </a:r>
-            <a:r>
-              <a:rPr lang="vi-VN" sz="2000" b="1" dirty="0"/>
-              <a:t> 4</a:t>
-            </a:r>
-            <a:r>
-              <a:rPr lang="vi-VN" sz="2000" b="1" dirty="0">
-                <a:solidFill>
-                  <a:schemeClr val="tx1"/>
-                </a:solidFill>
-              </a:rPr>
-              <a:t>: Ứng dụng trí tuệ nhân tạo vào robot</a:t>
-            </a:r>
-            <a:endParaRPr lang="en-US" sz="2000" b="1" dirty="0">
-              <a:solidFill>
-                <a:schemeClr val="tx1"/>
-              </a:solidFill>
-            </a:endParaRPr>
-          </a:p>
-        </p:txBody>
-      </p:sp>
-      <p:sp>
-        <p:nvSpPr>
-          <p:cNvPr id="5" name="Rectangle 1"/>
-          <p:cNvSpPr>
-            <a:spLocks noChangeArrowheads="1"/>
-          </p:cNvSpPr>
-          <p:nvPr/>
-        </p:nvSpPr>
-        <p:spPr bwMode="auto">
-          <a:xfrm>
-            <a:off x="0" y="0"/>
-            <a:ext cx="9144000" cy="0"/>
-          </a:xfrm>
-          <a:prstGeom prst="rect">
-            <a:avLst/>
-          </a:prstGeom>
-          <a:noFill/>
-          <a:ln>
-            <a:noFill/>
-          </a:ln>
-          <a:effectLst/>
-          <a:extLst>
-            <a:ext uri="{909E8E84-426E-40DD-AFC4-6F175D3DCCD1}">
-              <a14:hiddenFill xmlns:a14="http://schemas.microsoft.com/office/drawing/2010/main">
-                <a:solidFill>
-                  <a:schemeClr val="accent1"/>
-                </a:solidFill>
-              </a14:hiddenFill>
-            </a:ext>
-            <a:ext uri="{91240B29-F687-4F45-9708-019B960494DF}">
-              <a14:hiddenLine xmlns:a14="http://schemas.microsoft.com/office/drawing/2010/main" w="9525">
-                <a:solidFill>
-                  <a:schemeClr val="tx1"/>
-                </a:solidFill>
-                <a:miter lim="800000"/>
-                <a:headEnd/>
-                <a:tailEnd/>
-              </a14:hiddenLine>
-            </a:ext>
-            <a:ext uri="{AF507438-7753-43E0-B8FC-AC1667EBCBE1}">
-              <a14:hiddenEffects xmlns:a14="http://schemas.microsoft.com/office/drawing/2010/main">
-                <a:effectLst>
-                  <a:outerShdw dist="35921" dir="2700000" algn="ctr" rotWithShape="0">
-                    <a:schemeClr val="bg2"/>
-                  </a:outerShdw>
-                </a:effectLst>
-              </a14:hiddenEffects>
-            </a:ext>
-          </a:extLst>
-        </p:spPr>
-        <p:txBody>
-          <a:bodyPr vert="horz" wrap="none" lIns="91440" tIns="45720" rIns="91440" bIns="45720" numCol="1" anchor="ctr" anchorCtr="0" compatLnSpc="1">
-            <a:prstTxWarp prst="textNoShape">
-              <a:avLst/>
-            </a:prstTxWarp>
-            <a:spAutoFit/>
-          </a:bodyPr>
-          <a:lstStyle/>
-          <a:p>
-            <a:pPr marL="0" marR="0" lvl="0" indent="0" algn="l" defTabSz="914400" rtl="0" eaLnBrk="1" fontAlgn="base" latinLnBrk="0" hangingPunct="1">
-              <a:lnSpc>
-                <a:spcPct val="100000"/>
-              </a:lnSpc>
-              <a:spcBef>
-                <a:spcPct val="0"/>
-              </a:spcBef>
-              <a:spcAft>
-                <a:spcPct val="0"/>
-              </a:spcAft>
-              <a:buClrTx/>
-              <a:buSzTx/>
-              <a:buFontTx/>
-              <a:buNone/>
-              <a:tabLst/>
-            </a:pPr>
-            <a:endParaRPr kumimoji="0" lang="en-US" altLang="en-US" sz="1800" b="0" i="0" u="none" strike="noStrike" cap="none" normalizeH="0" baseline="0" smtClean="0">
-              <a:ln>
-                <a:noFill/>
-              </a:ln>
-              <a:solidFill>
-                <a:schemeClr val="tx1"/>
-              </a:solidFill>
-              <a:effectLst/>
-              <a:latin typeface="Arial" pitchFamily="34" charset="0"/>
-              <a:cs typeface="Arial" pitchFamily="34" charset="0"/>
-            </a:endParaRPr>
-          </a:p>
-        </p:txBody>
-      </p:sp>
-      <p:sp>
-        <p:nvSpPr>
-          <p:cNvPr id="7" name="Rectangle 2"/>
-          <p:cNvSpPr>
-            <a:spLocks noChangeArrowheads="1"/>
-          </p:cNvSpPr>
-          <p:nvPr/>
-        </p:nvSpPr>
-        <p:spPr bwMode="auto">
-          <a:xfrm>
-            <a:off x="152400" y="152400"/>
-            <a:ext cx="9144000" cy="0"/>
-          </a:xfrm>
-          <a:prstGeom prst="rect">
-            <a:avLst/>
-          </a:prstGeom>
-          <a:noFill/>
-          <a:ln>
-            <a:noFill/>
-          </a:ln>
-          <a:effectLst/>
-          <a:extLst>
-            <a:ext uri="{909E8E84-426E-40DD-AFC4-6F175D3DCCD1}">
-              <a14:hiddenFill xmlns:a14="http://schemas.microsoft.com/office/drawing/2010/main">
-                <a:solidFill>
-                  <a:schemeClr val="accent1"/>
-                </a:solidFill>
-              </a14:hiddenFill>
-            </a:ext>
-            <a:ext uri="{91240B29-F687-4F45-9708-019B960494DF}">
-              <a14:hiddenLine xmlns:a14="http://schemas.microsoft.com/office/drawing/2010/main" w="9525">
-                <a:solidFill>
-                  <a:schemeClr val="tx1"/>
-                </a:solidFill>
-                <a:miter lim="800000"/>
-                <a:headEnd/>
-                <a:tailEnd/>
-              </a14:hiddenLine>
-            </a:ext>
-            <a:ext uri="{AF507438-7753-43E0-B8FC-AC1667EBCBE1}">
-              <a14:hiddenEffects xmlns:a14="http://schemas.microsoft.com/office/drawing/2010/main">
-                <a:effectLst>
-                  <a:outerShdw dist="35921" dir="2700000" algn="ctr" rotWithShape="0">
-                    <a:schemeClr val="bg2"/>
-                  </a:outerShdw>
-                </a:effectLst>
-              </a14:hiddenEffects>
-            </a:ext>
-          </a:extLst>
-        </p:spPr>
-        <p:txBody>
-          <a:bodyPr vert="horz" wrap="none" lIns="91440" tIns="45720" rIns="91440" bIns="45720" numCol="1" anchor="ctr" anchorCtr="0" compatLnSpc="1">
-            <a:prstTxWarp prst="textNoShape">
-              <a:avLst/>
-            </a:prstTxWarp>
-            <a:spAutoFit/>
-          </a:bodyPr>
-          <a:lstStyle/>
-          <a:p>
-            <a:pPr marL="0" marR="0" lvl="0" indent="0" algn="l" defTabSz="914400" rtl="0" eaLnBrk="1" fontAlgn="base" latinLnBrk="0" hangingPunct="1">
-              <a:lnSpc>
-                <a:spcPct val="100000"/>
-              </a:lnSpc>
-              <a:spcBef>
-                <a:spcPct val="0"/>
-              </a:spcBef>
-              <a:spcAft>
-                <a:spcPct val="0"/>
-              </a:spcAft>
-              <a:buClrTx/>
-              <a:buSzTx/>
-              <a:buFontTx/>
-              <a:buNone/>
-              <a:tabLst/>
-            </a:pPr>
-            <a:endParaRPr kumimoji="0" lang="en-US" altLang="en-US" sz="1800" b="0" i="0" u="none" strike="noStrike" cap="none" normalizeH="0" baseline="0" smtClean="0">
-              <a:ln>
-                <a:noFill/>
-              </a:ln>
-              <a:solidFill>
-                <a:schemeClr val="tx1"/>
-              </a:solidFill>
-              <a:effectLst/>
-              <a:latin typeface="Arial" pitchFamily="34" charset="0"/>
-              <a:cs typeface="Arial" pitchFamily="34" charset="0"/>
-            </a:endParaRPr>
-          </a:p>
-        </p:txBody>
-      </p:sp>
-      <p:sp>
-        <p:nvSpPr>
-          <p:cNvPr id="9" name="Rectangle 3"/>
-          <p:cNvSpPr>
-            <a:spLocks noChangeArrowheads="1"/>
-          </p:cNvSpPr>
-          <p:nvPr/>
-        </p:nvSpPr>
-        <p:spPr bwMode="auto">
-          <a:xfrm>
-            <a:off x="304800" y="304800"/>
-            <a:ext cx="9144000" cy="0"/>
-          </a:xfrm>
-          <a:prstGeom prst="rect">
-            <a:avLst/>
-          </a:prstGeom>
-          <a:noFill/>
-          <a:ln>
-            <a:noFill/>
-          </a:ln>
-          <a:effectLst/>
-          <a:extLst>
-            <a:ext uri="{909E8E84-426E-40DD-AFC4-6F175D3DCCD1}">
-              <a14:hiddenFill xmlns:a14="http://schemas.microsoft.com/office/drawing/2010/main">
-                <a:solidFill>
-                  <a:schemeClr val="accent1"/>
-                </a:solidFill>
-              </a14:hiddenFill>
-            </a:ext>
-            <a:ext uri="{91240B29-F687-4F45-9708-019B960494DF}">
-              <a14:hiddenLine xmlns:a14="http://schemas.microsoft.com/office/drawing/2010/main" w="9525">
-                <a:solidFill>
-                  <a:schemeClr val="tx1"/>
-                </a:solidFill>
-                <a:miter lim="800000"/>
-                <a:headEnd/>
-                <a:tailEnd/>
-              </a14:hiddenLine>
-            </a:ext>
-            <a:ext uri="{AF507438-7753-43E0-B8FC-AC1667EBCBE1}">
-              <a14:hiddenEffects xmlns:a14="http://schemas.microsoft.com/office/drawing/2010/main">
-                <a:effectLst>
-                  <a:outerShdw dist="35921" dir="2700000" algn="ctr" rotWithShape="0">
-                    <a:schemeClr val="bg2"/>
-                  </a:outerShdw>
-                </a:effectLst>
-              </a14:hiddenEffects>
-            </a:ext>
-          </a:extLst>
-        </p:spPr>
-        <p:txBody>
-          <a:bodyPr vert="horz" wrap="none" lIns="91440" tIns="45720" rIns="91440" bIns="45720" numCol="1" anchor="ctr" anchorCtr="0" compatLnSpc="1">
-            <a:prstTxWarp prst="textNoShape">
-              <a:avLst/>
-            </a:prstTxWarp>
-            <a:spAutoFit/>
-          </a:bodyPr>
-          <a:lstStyle/>
-          <a:p>
-            <a:pPr marL="0" marR="0" lvl="0" indent="0" algn="l" defTabSz="914400" rtl="0" eaLnBrk="1" fontAlgn="base" latinLnBrk="0" hangingPunct="1">
-              <a:lnSpc>
-                <a:spcPct val="100000"/>
-              </a:lnSpc>
-              <a:spcBef>
-                <a:spcPct val="0"/>
-              </a:spcBef>
-              <a:spcAft>
-                <a:spcPct val="0"/>
-              </a:spcAft>
-              <a:buClrTx/>
-              <a:buSzTx/>
-              <a:buFontTx/>
-              <a:buNone/>
-              <a:tabLst/>
-            </a:pPr>
-            <a:endParaRPr kumimoji="0" lang="en-US" altLang="en-US" sz="1800" b="0" i="0" u="none" strike="noStrike" cap="none" normalizeH="0" baseline="0" smtClean="0">
-              <a:ln>
-                <a:noFill/>
-              </a:ln>
-              <a:solidFill>
-                <a:schemeClr val="tx1"/>
-              </a:solidFill>
-              <a:effectLst/>
-              <a:latin typeface="Arial" pitchFamily="34" charset="0"/>
-              <a:cs typeface="Arial" pitchFamily="34" charset="0"/>
-            </a:endParaRPr>
-          </a:p>
-        </p:txBody>
-      </p:sp>
-      <p:sp>
-        <p:nvSpPr>
-          <p:cNvPr id="6" name="Title 1"/>
+        </p:txBody>
+      </p:sp>
+      <p:sp>
+        <p:nvSpPr>
+          <p:cNvPr id="6" name="Content Placeholder 2"/>
           <p:cNvSpPr txBox="1">
             <a:spLocks/>
           </p:cNvSpPr>
@@ -9251,68 +9049,252 @@
         </p:nvSpPr>
         <p:spPr>
           <a:xfrm>
-            <a:off x="0" y="156713"/>
-            <a:ext cx="9144000" cy="834390"/>
+            <a:off x="980536" y="6013161"/>
+            <a:ext cx="7162800" cy="508857"/>
           </a:xfrm>
           <a:prstGeom prst="rect">
             <a:avLst/>
           </a:prstGeom>
-          <a:noFill/>
-          <a:ln>
-            <a:noFill/>
-          </a:ln>
-        </p:spPr>
-        <p:txBody>
-          <a:bodyPr vert="horz" lIns="91440" tIns="45720" rIns="91440" bIns="45720" rtlCol="0" anchor="ctr">
+        </p:spPr>
+        <p:txBody>
+          <a:bodyPr vert="horz" lIns="91440" tIns="45720" rIns="91440" bIns="45720" rtlCol="0">
             <a:normAutofit/>
           </a:bodyPr>
           <a:lstStyle>
-            <a:lvl1pPr algn="ctr" defTabSz="914400" rtl="0" eaLnBrk="1" latinLnBrk="0" hangingPunct="1">
-              <a:spcBef>
-                <a:spcPct val="0"/>
-              </a:spcBef>
-              <a:buNone/>
-              <a:defRPr sz="4400" kern="1200">
+            <a:lvl1pPr marL="342900" indent="-342900" algn="l" defTabSz="914400" rtl="0" eaLnBrk="1" latinLnBrk="0" hangingPunct="1">
+              <a:spcBef>
+                <a:spcPct val="20000"/>
+              </a:spcBef>
+              <a:buFont typeface="Arial" panose="020B0604020202020204" pitchFamily="34" charset="0"/>
+              <a:buChar char="•"/>
+              <a:defRPr sz="3200" kern="1200">
                 <a:solidFill>
                   <a:schemeClr val="tx1"/>
                 </a:solidFill>
-                <a:latin typeface="+mj-lt"/>
-                <a:ea typeface="+mj-ea"/>
-                <a:cs typeface="+mj-cs"/>
+                <a:latin typeface="+mn-lt"/>
+                <a:ea typeface="+mn-ea"/>
+                <a:cs typeface="+mn-cs"/>
               </a:defRPr>
             </a:lvl1pPr>
+            <a:lvl2pPr marL="742950" indent="-285750" algn="l" defTabSz="914400" rtl="0" eaLnBrk="1" latinLnBrk="0" hangingPunct="1">
+              <a:spcBef>
+                <a:spcPct val="20000"/>
+              </a:spcBef>
+              <a:buFont typeface="Arial" panose="020B0604020202020204" pitchFamily="34" charset="0"/>
+              <a:buChar char="–"/>
+              <a:defRPr sz="2800" kern="1200">
+                <a:solidFill>
+                  <a:schemeClr val="tx1"/>
+                </a:solidFill>
+                <a:latin typeface="+mn-lt"/>
+                <a:ea typeface="+mn-ea"/>
+                <a:cs typeface="+mn-cs"/>
+              </a:defRPr>
+            </a:lvl2pPr>
+            <a:lvl3pPr marL="1143000" indent="-228600" algn="l" defTabSz="914400" rtl="0" eaLnBrk="1" latinLnBrk="0" hangingPunct="1">
+              <a:spcBef>
+                <a:spcPct val="20000"/>
+              </a:spcBef>
+              <a:buFont typeface="Arial" panose="020B0604020202020204" pitchFamily="34" charset="0"/>
+              <a:buChar char="•"/>
+              <a:defRPr sz="2400" kern="1200">
+                <a:solidFill>
+                  <a:schemeClr val="tx1"/>
+                </a:solidFill>
+                <a:latin typeface="+mn-lt"/>
+                <a:ea typeface="+mn-ea"/>
+                <a:cs typeface="+mn-cs"/>
+              </a:defRPr>
+            </a:lvl3pPr>
+            <a:lvl4pPr marL="1600200" indent="-228600" algn="l" defTabSz="914400" rtl="0" eaLnBrk="1" latinLnBrk="0" hangingPunct="1">
+              <a:spcBef>
+                <a:spcPct val="20000"/>
+              </a:spcBef>
+              <a:buFont typeface="Arial" panose="020B0604020202020204" pitchFamily="34" charset="0"/>
+              <a:buChar char="–"/>
+              <a:defRPr sz="2000" kern="1200">
+                <a:solidFill>
+                  <a:schemeClr val="tx1"/>
+                </a:solidFill>
+                <a:latin typeface="+mn-lt"/>
+                <a:ea typeface="+mn-ea"/>
+                <a:cs typeface="+mn-cs"/>
+              </a:defRPr>
+            </a:lvl4pPr>
+            <a:lvl5pPr marL="2057400" indent="-228600" algn="l" defTabSz="914400" rtl="0" eaLnBrk="1" latinLnBrk="0" hangingPunct="1">
+              <a:spcBef>
+                <a:spcPct val="20000"/>
+              </a:spcBef>
+              <a:buFont typeface="Arial" panose="020B0604020202020204" pitchFamily="34" charset="0"/>
+              <a:buChar char="»"/>
+              <a:defRPr sz="2000" kern="1200">
+                <a:solidFill>
+                  <a:schemeClr val="tx1"/>
+                </a:solidFill>
+                <a:latin typeface="+mn-lt"/>
+                <a:ea typeface="+mn-ea"/>
+                <a:cs typeface="+mn-cs"/>
+              </a:defRPr>
+            </a:lvl5pPr>
+            <a:lvl6pPr marL="2514600" indent="-228600" algn="l" defTabSz="914400" rtl="0" eaLnBrk="1" latinLnBrk="0" hangingPunct="1">
+              <a:spcBef>
+                <a:spcPct val="20000"/>
+              </a:spcBef>
+              <a:buFont typeface="Arial" panose="020B0604020202020204" pitchFamily="34" charset="0"/>
+              <a:buChar char="•"/>
+              <a:defRPr sz="2000" kern="1200">
+                <a:solidFill>
+                  <a:schemeClr val="tx1"/>
+                </a:solidFill>
+                <a:latin typeface="+mn-lt"/>
+                <a:ea typeface="+mn-ea"/>
+                <a:cs typeface="+mn-cs"/>
+              </a:defRPr>
+            </a:lvl6pPr>
+            <a:lvl7pPr marL="2971800" indent="-228600" algn="l" defTabSz="914400" rtl="0" eaLnBrk="1" latinLnBrk="0" hangingPunct="1">
+              <a:spcBef>
+                <a:spcPct val="20000"/>
+              </a:spcBef>
+              <a:buFont typeface="Arial" panose="020B0604020202020204" pitchFamily="34" charset="0"/>
+              <a:buChar char="•"/>
+              <a:defRPr sz="2000" kern="1200">
+                <a:solidFill>
+                  <a:schemeClr val="tx1"/>
+                </a:solidFill>
+                <a:latin typeface="+mn-lt"/>
+                <a:ea typeface="+mn-ea"/>
+                <a:cs typeface="+mn-cs"/>
+              </a:defRPr>
+            </a:lvl7pPr>
+            <a:lvl8pPr marL="3429000" indent="-228600" algn="l" defTabSz="914400" rtl="0" eaLnBrk="1" latinLnBrk="0" hangingPunct="1">
+              <a:spcBef>
+                <a:spcPct val="20000"/>
+              </a:spcBef>
+              <a:buFont typeface="Arial" panose="020B0604020202020204" pitchFamily="34" charset="0"/>
+              <a:buChar char="•"/>
+              <a:defRPr sz="2000" kern="1200">
+                <a:solidFill>
+                  <a:schemeClr val="tx1"/>
+                </a:solidFill>
+                <a:latin typeface="+mn-lt"/>
+                <a:ea typeface="+mn-ea"/>
+                <a:cs typeface="+mn-cs"/>
+              </a:defRPr>
+            </a:lvl8pPr>
+            <a:lvl9pPr marL="3886200" indent="-228600" algn="l" defTabSz="914400" rtl="0" eaLnBrk="1" latinLnBrk="0" hangingPunct="1">
+              <a:spcBef>
+                <a:spcPct val="20000"/>
+              </a:spcBef>
+              <a:buFont typeface="Arial" panose="020B0604020202020204" pitchFamily="34" charset="0"/>
+              <a:buChar char="•"/>
+              <a:defRPr sz="2000" kern="1200">
+                <a:solidFill>
+                  <a:schemeClr val="tx1"/>
+                </a:solidFill>
+                <a:latin typeface="+mn-lt"/>
+                <a:ea typeface="+mn-ea"/>
+                <a:cs typeface="+mn-cs"/>
+              </a:defRPr>
+            </a:lvl9pPr>
           </a:lstStyle>
           <a:p>
-            <a:r>
-              <a:rPr lang="en-US" sz="3000" b="1" dirty="0" smtClean="0">
-                <a:solidFill>
-                  <a:srgbClr val="7030A0"/>
-                </a:solidFill>
-              </a:rPr>
-              <a:t>         KẾ </a:t>
-            </a:r>
-            <a:r>
-              <a:rPr lang="en-US" sz="3000" b="1" dirty="0">
-                <a:solidFill>
-                  <a:srgbClr val="7030A0"/>
-                </a:solidFill>
-              </a:rPr>
-              <a:t>HOẠCH PHÁT TRIỂN ROBOT</a:t>
-            </a:r>
-            <a:endParaRPr lang="en-US" sz="3000" b="1" dirty="0">
-              <a:solidFill>
-                <a:srgbClr val="7030A0"/>
-              </a:solidFill>
-              <a:latin typeface="Times New Roman" pitchFamily="18" charset="0"/>
-              <a:cs typeface="Times New Roman" pitchFamily="18" charset="0"/>
-            </a:endParaRPr>
-          </a:p>
-        </p:txBody>
-      </p:sp>
+            <a:pPr marL="0" indent="0" algn="ctr">
+              <a:buNone/>
+            </a:pPr>
+            <a:r>
+              <a:rPr lang="en-US" sz="2000" dirty="0" err="1" smtClean="0"/>
+              <a:t>Sơ</a:t>
+            </a:r>
+            <a:r>
+              <a:rPr lang="en-US" sz="2000" dirty="0" smtClean="0"/>
+              <a:t> </a:t>
+            </a:r>
+            <a:r>
+              <a:rPr lang="en-US" sz="2000" dirty="0" err="1" smtClean="0"/>
+              <a:t>đồ</a:t>
+            </a:r>
+            <a:r>
+              <a:rPr lang="en-US" sz="2000" dirty="0" smtClean="0"/>
+              <a:t> </a:t>
+            </a:r>
+            <a:r>
+              <a:rPr lang="en-US" sz="2000" dirty="0" err="1" smtClean="0"/>
+              <a:t>cấu</a:t>
+            </a:r>
+            <a:r>
+              <a:rPr lang="en-US" sz="2000" dirty="0" smtClean="0"/>
+              <a:t> </a:t>
+            </a:r>
+            <a:r>
+              <a:rPr lang="en-US" sz="2000" dirty="0" err="1" smtClean="0"/>
+              <a:t>trúc</a:t>
+            </a:r>
+            <a:r>
+              <a:rPr lang="en-US" sz="2000" dirty="0" smtClean="0"/>
+              <a:t> </a:t>
+            </a:r>
+            <a:r>
+              <a:rPr lang="en-US" sz="2000" dirty="0" err="1" smtClean="0"/>
+              <a:t>hệ</a:t>
+            </a:r>
+            <a:r>
+              <a:rPr lang="en-US" sz="2000" dirty="0" smtClean="0"/>
+              <a:t> </a:t>
+            </a:r>
+            <a:r>
+              <a:rPr lang="en-US" sz="2000" dirty="0" err="1" smtClean="0"/>
+              <a:t>thống</a:t>
+            </a:r>
+            <a:r>
+              <a:rPr lang="en-US" sz="2000" dirty="0" smtClean="0"/>
+              <a:t> module </a:t>
+            </a:r>
+            <a:r>
+              <a:rPr lang="en-US" sz="2000" dirty="0" err="1" smtClean="0"/>
+              <a:t>trong</a:t>
+            </a:r>
+            <a:r>
+              <a:rPr lang="en-US" sz="2000" dirty="0" smtClean="0"/>
+              <a:t> robot</a:t>
+            </a:r>
+            <a:endParaRPr lang="en-US" sz="2000" dirty="0"/>
+          </a:p>
+        </p:txBody>
+      </p:sp>
+      <p:pic>
+        <p:nvPicPr>
+          <p:cNvPr id="3" name="Picture 2"/>
+          <p:cNvPicPr>
+            <a:picLocks noChangeAspect="1"/>
+          </p:cNvPicPr>
+          <p:nvPr/>
+        </p:nvPicPr>
+        <p:blipFill>
+          <a:blip r:embed="rId2">
+            <a:extLst>
+              <a:ext uri="{28A0092B-C50C-407E-A947-70E740481C1C}">
+                <a14:useLocalDpi xmlns:a14="http://schemas.microsoft.com/office/drawing/2010/main" val="0"/>
+              </a:ext>
+            </a:extLst>
+          </a:blip>
+          <a:stretch>
+            <a:fillRect/>
+          </a:stretch>
+        </p:blipFill>
+        <p:spPr>
+          <a:xfrm>
+            <a:off x="980536" y="1066800"/>
+            <a:ext cx="7162800" cy="4870161"/>
+          </a:xfrm>
+          <a:prstGeom prst="rect">
+            <a:avLst/>
+          </a:prstGeom>
+        </p:spPr>
+      </p:pic>
     </p:spTree>
     <p:extLst>
       <p:ext uri="{BB962C8B-B14F-4D97-AF65-F5344CB8AC3E}">
-        <p14:creationId xmlns:p14="http://schemas.microsoft.com/office/powerpoint/2010/main" val="1601958711"/>
+        <p14:creationId xmlns:p14="http://schemas.microsoft.com/office/powerpoint/2010/main" val="1881780276"/>
       </p:ext>
     </p:extLst>
   </p:cSld>
@@ -9974,7 +9956,6 @@
               <a:rPr lang="en-US" sz="2000" dirty="0" smtClean="0"/>
               <a:t> </a:t>
             </a:r>
-            <a:endParaRPr lang="en-US" sz="2000" dirty="0" smtClean="0"/>
           </a:p>
           <a:p>
             <a:pPr algn="ctr"/>
@@ -9984,11 +9965,7 @@
             </a:r>
             <a:r>
               <a:rPr lang="en-US" sz="2000" dirty="0" smtClean="0"/>
-              <a:t> </a:t>
-            </a:r>
-            <a:r>
-              <a:rPr lang="en-US" sz="2000" dirty="0" smtClean="0"/>
-              <a:t>1 </a:t>
+              <a:t> 1 </a:t>
             </a:r>
             <a:r>
               <a:rPr lang="en-US" sz="2000" dirty="0" err="1" smtClean="0"/>
@@ -10365,7 +10342,7 @@
         </p:blipFill>
         <p:spPr>
           <a:xfrm>
-            <a:off x="1905001" y="1676400"/>
+            <a:off x="1905001" y="1600200"/>
             <a:ext cx="6400800" cy="3300412"/>
           </a:xfrm>
           <a:prstGeom prst="rect">
@@ -11117,7 +11094,7 @@
       </p:sp>
       <p:pic>
         <p:nvPicPr>
-          <p:cNvPr id="6" name="Picture 5"/>
+          <p:cNvPr id="24" name="Picture 23"/>
           <p:cNvPicPr>
             <a:picLocks noChangeAspect="1"/>
           </p:cNvPicPr>
@@ -11137,8 +11114,8 @@
         </p:blipFill>
         <p:spPr>
           <a:xfrm>
-            <a:off x="3886200" y="4517396"/>
-            <a:ext cx="1731708" cy="1559838"/>
+            <a:off x="1924324" y="2441306"/>
+            <a:ext cx="2249424" cy="1624726"/>
           </a:xfrm>
           <a:prstGeom prst="rect">
             <a:avLst/>
@@ -11147,7 +11124,7 @@
       </p:pic>
       <p:pic>
         <p:nvPicPr>
-          <p:cNvPr id="24" name="Picture 23"/>
+          <p:cNvPr id="25" name="Picture 24"/>
           <p:cNvPicPr>
             <a:picLocks noChangeAspect="1"/>
           </p:cNvPicPr>
@@ -11167,8 +11144,8 @@
         </p:blipFill>
         <p:spPr>
           <a:xfrm>
-            <a:off x="1924324" y="2441306"/>
-            <a:ext cx="2249424" cy="1624726"/>
+            <a:off x="4568952" y="2438400"/>
+            <a:ext cx="1908048" cy="1627632"/>
           </a:xfrm>
           <a:prstGeom prst="rect">
             <a:avLst/>
@@ -11177,7 +11154,7 @@
       </p:pic>
       <p:pic>
         <p:nvPicPr>
-          <p:cNvPr id="25" name="Picture 24"/>
+          <p:cNvPr id="26" name="Picture 25"/>
           <p:cNvPicPr>
             <a:picLocks noChangeAspect="1"/>
           </p:cNvPicPr>
@@ -11197,8 +11174,8 @@
         </p:blipFill>
         <p:spPr>
           <a:xfrm>
-            <a:off x="4568952" y="2438400"/>
-            <a:ext cx="1908048" cy="1627632"/>
+            <a:off x="6617208" y="2441306"/>
+            <a:ext cx="2298192" cy="1624726"/>
           </a:xfrm>
           <a:prstGeom prst="rect">
             <a:avLst/>
@@ -11207,7 +11184,7 @@
       </p:pic>
       <p:pic>
         <p:nvPicPr>
-          <p:cNvPr id="26" name="Picture 25"/>
+          <p:cNvPr id="27" name="Picture 26"/>
           <p:cNvPicPr>
             <a:picLocks noChangeAspect="1"/>
           </p:cNvPicPr>
@@ -11227,8 +11204,8 @@
         </p:blipFill>
         <p:spPr>
           <a:xfrm>
-            <a:off x="6617208" y="2441306"/>
-            <a:ext cx="2298192" cy="1624726"/>
+            <a:off x="2458189" y="4559389"/>
+            <a:ext cx="2169063" cy="1517846"/>
           </a:xfrm>
           <a:prstGeom prst="rect">
             <a:avLst/>
@@ -11237,7 +11214,7 @@
       </p:pic>
       <p:pic>
         <p:nvPicPr>
-          <p:cNvPr id="27" name="Picture 26"/>
+          <p:cNvPr id="28" name="Picture 27"/>
           <p:cNvPicPr>
             <a:picLocks noChangeAspect="1"/>
           </p:cNvPicPr>
@@ -11257,37 +11234,7 @@
         </p:blipFill>
         <p:spPr>
           <a:xfrm>
-            <a:off x="1924790" y="4651375"/>
-            <a:ext cx="2037610" cy="1425859"/>
-          </a:xfrm>
-          <a:prstGeom prst="rect">
-            <a:avLst/>
-          </a:prstGeom>
-        </p:spPr>
-      </p:pic>
-      <p:pic>
-        <p:nvPicPr>
-          <p:cNvPr id="28" name="Picture 27"/>
-          <p:cNvPicPr>
-            <a:picLocks noChangeAspect="1"/>
-          </p:cNvPicPr>
-          <p:nvPr/>
-        </p:nvPicPr>
-        <p:blipFill>
-          <a:blip r:embed="rId8">
-            <a:extLst>
-              <a:ext uri="{28A0092B-C50C-407E-A947-70E740481C1C}">
-                <a14:useLocalDpi xmlns:a14="http://schemas.microsoft.com/office/drawing/2010/main" val="0"/>
-              </a:ext>
-            </a:extLst>
-          </a:blip>
-          <a:stretch>
-            <a:fillRect/>
-          </a:stretch>
-        </p:blipFill>
-        <p:spPr>
-          <a:xfrm>
-            <a:off x="6138457" y="4559388"/>
+            <a:off x="5715000" y="4559388"/>
             <a:ext cx="2255520" cy="1542288"/>
           </a:xfrm>
           <a:prstGeom prst="rect">
@@ -11529,7 +11476,15 @@
                   <a:schemeClr val="tx1"/>
                 </a:solidFill>
               </a:rPr>
-              <a:t> robot</a:t>
+              <a:t> </a:t>
+            </a:r>
+            <a:r>
+              <a:rPr lang="en-US" sz="2000" dirty="0" smtClean="0">
+                <a:solidFill>
+                  <a:schemeClr val="tx1"/>
+                </a:solidFill>
+              </a:rPr>
+              <a:t>mobile robot</a:t>
             </a:r>
             <a:endParaRPr lang="en-US" sz="2000" dirty="0" smtClean="0"/>
           </a:p>
@@ -12498,7 +12453,7 @@
         </p:nvSpPr>
         <p:spPr>
           <a:xfrm>
-            <a:off x="1924790" y="6077858"/>
+            <a:off x="2458191" y="6077858"/>
             <a:ext cx="2037609" cy="541833"/>
           </a:xfrm>
           <a:prstGeom prst="rect">
@@ -12740,256 +12695,6 @@
       </p:sp>
       <p:sp>
         <p:nvSpPr>
-          <p:cNvPr id="34" name="Subtitle 3"/>
-          <p:cNvSpPr txBox="1">
-            <a:spLocks/>
-          </p:cNvSpPr>
-          <p:nvPr/>
-        </p:nvSpPr>
-        <p:spPr>
-          <a:xfrm>
-            <a:off x="3962399" y="6075646"/>
-            <a:ext cx="1655509" cy="447795"/>
-          </a:xfrm>
-          <a:prstGeom prst="rect">
-            <a:avLst/>
-          </a:prstGeom>
-        </p:spPr>
-        <p:txBody>
-          <a:bodyPr vert="horz">
-            <a:noAutofit/>
-          </a:bodyPr>
-          <a:lstStyle>
-            <a:lvl1pPr marL="0" indent="0" algn="l" rtl="0" eaLnBrk="1" latinLnBrk="0" hangingPunct="1">
-              <a:spcBef>
-                <a:spcPts val="600"/>
-              </a:spcBef>
-              <a:buClr>
-                <a:schemeClr val="accent1"/>
-              </a:buClr>
-              <a:buSzPct val="70000"/>
-              <a:buFont typeface="Wingdings"/>
-              <a:buNone/>
-              <a:defRPr kumimoji="0" sz="1800" b="1" kern="1200">
-                <a:solidFill>
-                  <a:schemeClr val="tx2"/>
-                </a:solidFill>
-                <a:latin typeface="+mn-lt"/>
-                <a:ea typeface="+mn-ea"/>
-                <a:cs typeface="+mn-cs"/>
-              </a:defRPr>
-            </a:lvl1pPr>
-            <a:lvl2pPr marL="457200" indent="0" algn="ctr" rtl="0" eaLnBrk="1" latinLnBrk="0" hangingPunct="1">
-              <a:spcBef>
-                <a:spcPct val="20000"/>
-              </a:spcBef>
-              <a:buClr>
-                <a:schemeClr val="accent1"/>
-              </a:buClr>
-              <a:buSzPct val="80000"/>
-              <a:buFont typeface="Wingdings 2"/>
-              <a:buNone/>
-              <a:defRPr kumimoji="0" sz="2100" kern="1200">
-                <a:solidFill>
-                  <a:schemeClr val="tx1"/>
-                </a:solidFill>
-                <a:latin typeface="+mn-lt"/>
-                <a:ea typeface="+mn-ea"/>
-                <a:cs typeface="+mn-cs"/>
-              </a:defRPr>
-            </a:lvl2pPr>
-            <a:lvl3pPr marL="914400" indent="0" algn="ctr" rtl="0" eaLnBrk="1" latinLnBrk="0" hangingPunct="1">
-              <a:spcBef>
-                <a:spcPct val="20000"/>
-              </a:spcBef>
-              <a:buClr>
-                <a:schemeClr val="accent1">
-                  <a:shade val="75000"/>
-                </a:schemeClr>
-              </a:buClr>
-              <a:buSzPct val="60000"/>
-              <a:buFont typeface="Wingdings"/>
-              <a:buNone/>
-              <a:defRPr kumimoji="0" sz="1800" kern="1200">
-                <a:solidFill>
-                  <a:schemeClr val="tx1"/>
-                </a:solidFill>
-                <a:latin typeface="+mn-lt"/>
-                <a:ea typeface="+mn-ea"/>
-                <a:cs typeface="+mn-cs"/>
-              </a:defRPr>
-            </a:lvl3pPr>
-            <a:lvl4pPr marL="1371600" indent="0" algn="ctr" rtl="0" eaLnBrk="1" latinLnBrk="0" hangingPunct="1">
-              <a:spcBef>
-                <a:spcPct val="20000"/>
-              </a:spcBef>
-              <a:buClr>
-                <a:schemeClr val="accent1">
-                  <a:tint val="60000"/>
-                </a:schemeClr>
-              </a:buClr>
-              <a:buSzPct val="60000"/>
-              <a:buFont typeface="Wingdings"/>
-              <a:buNone/>
-              <a:defRPr kumimoji="0" sz="1800" kern="1200">
-                <a:solidFill>
-                  <a:schemeClr val="tx1"/>
-                </a:solidFill>
-                <a:latin typeface="+mn-lt"/>
-                <a:ea typeface="+mn-ea"/>
-                <a:cs typeface="+mn-cs"/>
-              </a:defRPr>
-            </a:lvl4pPr>
-            <a:lvl5pPr marL="1828800" indent="0" algn="ctr" rtl="0" eaLnBrk="1" latinLnBrk="0" hangingPunct="1">
-              <a:spcBef>
-                <a:spcPct val="20000"/>
-              </a:spcBef>
-              <a:buClr>
-                <a:schemeClr val="accent2">
-                  <a:tint val="60000"/>
-                </a:schemeClr>
-              </a:buClr>
-              <a:buSzPct val="68000"/>
-              <a:buFont typeface="Wingdings 2"/>
-              <a:buNone/>
-              <a:defRPr kumimoji="0" sz="1600" kern="1200">
-                <a:solidFill>
-                  <a:schemeClr val="tx1"/>
-                </a:solidFill>
-                <a:latin typeface="+mn-lt"/>
-                <a:ea typeface="+mn-ea"/>
-                <a:cs typeface="+mn-cs"/>
-              </a:defRPr>
-            </a:lvl5pPr>
-            <a:lvl6pPr marL="2286000" indent="0" algn="ctr" rtl="0" eaLnBrk="1" latinLnBrk="0" hangingPunct="1">
-              <a:spcBef>
-                <a:spcPct val="20000"/>
-              </a:spcBef>
-              <a:buClr>
-                <a:schemeClr val="accent1"/>
-              </a:buClr>
-              <a:buNone/>
-              <a:defRPr kumimoji="0" sz="1600" kern="1200">
-                <a:solidFill>
-                  <a:schemeClr val="tx2"/>
-                </a:solidFill>
-                <a:latin typeface="+mn-lt"/>
-                <a:ea typeface="+mn-ea"/>
-                <a:cs typeface="+mn-cs"/>
-              </a:defRPr>
-            </a:lvl6pPr>
-            <a:lvl7pPr marL="2743200" indent="0" algn="ctr" rtl="0" eaLnBrk="1" latinLnBrk="0" hangingPunct="1">
-              <a:spcBef>
-                <a:spcPct val="20000"/>
-              </a:spcBef>
-              <a:buClr>
-                <a:schemeClr val="accent1">
-                  <a:tint val="60000"/>
-                </a:schemeClr>
-              </a:buClr>
-              <a:buSzPct val="60000"/>
-              <a:buFont typeface="Wingdings"/>
-              <a:buNone/>
-              <a:defRPr kumimoji="0" sz="1400" kern="1200" baseline="0">
-                <a:solidFill>
-                  <a:schemeClr val="tx2"/>
-                </a:solidFill>
-                <a:latin typeface="+mn-lt"/>
-                <a:ea typeface="+mn-ea"/>
-                <a:cs typeface="+mn-cs"/>
-              </a:defRPr>
-            </a:lvl7pPr>
-            <a:lvl8pPr marL="3200400" indent="0" algn="ctr" rtl="0" eaLnBrk="1" latinLnBrk="0" hangingPunct="1">
-              <a:spcBef>
-                <a:spcPct val="20000"/>
-              </a:spcBef>
-              <a:buClr>
-                <a:schemeClr val="accent2"/>
-              </a:buClr>
-              <a:buNone/>
-              <a:defRPr kumimoji="0" sz="1400" kern="1200" cap="small" baseline="0">
-                <a:solidFill>
-                  <a:schemeClr val="tx2"/>
-                </a:solidFill>
-                <a:latin typeface="+mn-lt"/>
-                <a:ea typeface="+mn-ea"/>
-                <a:cs typeface="+mn-cs"/>
-              </a:defRPr>
-            </a:lvl8pPr>
-            <a:lvl9pPr marL="3657600" indent="0" algn="ctr" rtl="0" eaLnBrk="1" latinLnBrk="0" hangingPunct="1">
-              <a:spcBef>
-                <a:spcPct val="20000"/>
-              </a:spcBef>
-              <a:buClr>
-                <a:schemeClr val="accent1">
-                  <a:shade val="75000"/>
-                </a:schemeClr>
-              </a:buClr>
-              <a:buNone/>
-              <a:defRPr kumimoji="0" sz="1400" kern="1200" baseline="0">
-                <a:solidFill>
-                  <a:schemeClr val="tx2"/>
-                </a:solidFill>
-                <a:latin typeface="+mn-lt"/>
-                <a:ea typeface="+mn-ea"/>
-                <a:cs typeface="+mn-cs"/>
-              </a:defRPr>
-            </a:lvl9pPr>
-          </a:lstStyle>
-          <a:p>
-            <a:pPr algn="ctr"/>
-            <a:r>
-              <a:rPr lang="en-US" sz="1400" dirty="0" smtClean="0">
-                <a:solidFill>
-                  <a:prstClr val="black"/>
-                </a:solidFill>
-                <a:latin typeface="Times New Roman" pitchFamily="18" charset="0"/>
-                <a:cs typeface="Times New Roman" pitchFamily="18" charset="0"/>
-              </a:rPr>
-              <a:t>Robot </a:t>
-            </a:r>
-            <a:r>
-              <a:rPr lang="en-US" sz="1400" dirty="0" err="1" smtClean="0">
-                <a:solidFill>
-                  <a:prstClr val="black"/>
-                </a:solidFill>
-                <a:latin typeface="Times New Roman" pitchFamily="18" charset="0"/>
-                <a:cs typeface="Times New Roman" pitchFamily="18" charset="0"/>
-              </a:rPr>
-              <a:t>cố</a:t>
-            </a:r>
-            <a:r>
-              <a:rPr lang="en-US" sz="1400" dirty="0" smtClean="0">
-                <a:solidFill>
-                  <a:prstClr val="black"/>
-                </a:solidFill>
-                <a:latin typeface="Times New Roman" pitchFamily="18" charset="0"/>
-                <a:cs typeface="Times New Roman" pitchFamily="18" charset="0"/>
-              </a:rPr>
-              <a:t> </a:t>
-            </a:r>
-            <a:r>
-              <a:rPr lang="en-US" sz="1400" dirty="0" err="1" smtClean="0">
-                <a:solidFill>
-                  <a:prstClr val="black"/>
-                </a:solidFill>
-                <a:latin typeface="Times New Roman" pitchFamily="18" charset="0"/>
-                <a:cs typeface="Times New Roman" pitchFamily="18" charset="0"/>
-              </a:rPr>
-              <a:t>định</a:t>
-            </a:r>
-            <a:endParaRPr lang="en-US" sz="1400" dirty="0">
-              <a:solidFill>
-                <a:prstClr val="black"/>
-              </a:solidFill>
-              <a:latin typeface="Times New Roman" pitchFamily="18" charset="0"/>
-              <a:cs typeface="Times New Roman" pitchFamily="18" charset="0"/>
-            </a:endParaRPr>
-          </a:p>
-        </p:txBody>
-      </p:sp>
-      <p:sp>
-        <p:nvSpPr>
           <p:cNvPr id="35" name="Subtitle 3"/>
           <p:cNvSpPr txBox="1">
             <a:spLocks/>
@@ -12998,7 +12703,7 @@
         </p:nvSpPr>
         <p:spPr>
           <a:xfrm>
-            <a:off x="6138458" y="6096000"/>
+            <a:off x="5715000" y="6096000"/>
             <a:ext cx="2255520" cy="407086"/>
           </a:xfrm>
           <a:prstGeom prst="rect">
@@ -15676,7 +15381,6 @@
               <a:rPr lang="en-US" dirty="0" smtClean="0"/>
               <a:t>SMP robot </a:t>
             </a:r>
-            <a:endParaRPr lang="en-US" dirty="0" smtClean="0"/>
           </a:p>
         </p:txBody>
       </p:sp>
@@ -16171,7 +15875,6 @@
               <a:rPr lang="en-US" dirty="0" smtClean="0"/>
               <a:t>SMP robot </a:t>
             </a:r>
-            <a:endParaRPr lang="en-US" dirty="0" smtClean="0"/>
           </a:p>
         </p:txBody>
       </p:sp>
@@ -16445,13 +16148,8 @@
             </a:r>
             <a:r>
               <a:rPr lang="en-US" sz="2000" dirty="0" smtClean="0"/>
-              <a:t>.</a:t>
-            </a:r>
-            <a:r>
-              <a:rPr lang="en-US" sz="2000" dirty="0" smtClean="0"/>
-              <a:t> </a:t>
-            </a:r>
-            <a:endParaRPr lang="en-US" sz="2000" dirty="0" smtClean="0"/>
+              <a:t>. </a:t>
+            </a:r>
           </a:p>
         </p:txBody>
       </p:sp>
@@ -16842,15 +16540,7 @@
                   <a:srgbClr val="00B0F0"/>
                 </a:solidFill>
               </a:rPr>
-              <a:t> </a:t>
-            </a:r>
-            <a:r>
-              <a:rPr lang="en-US" b="1" dirty="0" smtClean="0">
-                <a:solidFill>
-                  <a:srgbClr val="00B0F0"/>
-                </a:solidFill>
-              </a:rPr>
-              <a:t>logistic</a:t>
+              <a:t> logistic</a:t>
             </a:r>
             <a:endParaRPr lang="en-US" b="1" dirty="0">
               <a:solidFill>
